--- a/Thesis-LateX/Poster-ArnoPlaetinck.pptx
+++ b/Thesis-LateX/Poster-ArnoPlaetinck.pptx
@@ -238,7 +238,7 @@
           <a:p>
             <a:fld id="{33ADCEFC-B4B7-4D16-B9F3-DE74BFB94BAE}" type="datetimeFigureOut">
               <a:rPr lang="en-GB" smtClean="0"/>
-              <a:t>08/04/2020</a:t>
+              <a:t>11/04/2020</a:t>
             </a:fld>
             <a:endParaRPr lang="en-GB"/>
           </a:p>
@@ -2965,13 +2965,13 @@
         </p:nvPicPr>
         <p:blipFill rotWithShape="1">
           <a:blip r:embed="rId3"/>
-          <a:srcRect l="7867" t="4707" r="7177" b="4354"/>
+          <a:srcRect l="15743" t="4600" r="18600" b="4615"/>
           <a:stretch/>
         </p:blipFill>
         <p:spPr>
           <a:xfrm>
-            <a:off x="73007" y="9244880"/>
-            <a:ext cx="4908578" cy="2690061"/>
+            <a:off x="731237" y="9197188"/>
+            <a:ext cx="4023540" cy="2848383"/>
           </a:xfrm>
           <a:prstGeom prst="rect">
             <a:avLst/>

--- a/Thesis-LateX/Poster-ArnoPlaetinck.pptx
+++ b/Thesis-LateX/Poster-ArnoPlaetinck.pptx
@@ -238,7 +238,7 @@
           <a:p>
             <a:fld id="{33ADCEFC-B4B7-4D16-B9F3-DE74BFB94BAE}" type="datetimeFigureOut">
               <a:rPr lang="en-GB" smtClean="0"/>
-              <a:t>11/04/2020</a:t>
+              <a:t>14/04/2020</a:t>
             </a:fld>
             <a:endParaRPr lang="en-GB"/>
           </a:p>
@@ -2965,13 +2965,13 @@
         </p:nvPicPr>
         <p:blipFill rotWithShape="1">
           <a:blip r:embed="rId3"/>
-          <a:srcRect l="15743" t="4600" r="18600" b="4615"/>
+          <a:srcRect l="15655" t="3817" r="18962" b="13041"/>
           <a:stretch/>
         </p:blipFill>
         <p:spPr>
           <a:xfrm>
-            <a:off x="731237" y="9197188"/>
-            <a:ext cx="4023540" cy="2848383"/>
+            <a:off x="538138" y="9159758"/>
+            <a:ext cx="4280299" cy="2786738"/>
           </a:xfrm>
           <a:prstGeom prst="rect">
             <a:avLst/>

--- a/Thesis-LateX/Poster-ArnoPlaetinck.pptx
+++ b/Thesis-LateX/Poster-ArnoPlaetinck.pptx
@@ -238,7 +238,7 @@
           <a:p>
             <a:fld id="{33ADCEFC-B4B7-4D16-B9F3-DE74BFB94BAE}" type="datetimeFigureOut">
               <a:rPr lang="en-GB" smtClean="0"/>
-              <a:t>14/04/2020</a:t>
+              <a:t>18/04/2020</a:t>
             </a:fld>
             <a:endParaRPr lang="en-GB"/>
           </a:p>
@@ -1816,7 +1816,7 @@
         </p:nvSpPr>
         <p:spPr>
           <a:xfrm>
-            <a:off x="4981594" y="10197267"/>
+            <a:off x="4981584" y="10728306"/>
             <a:ext cx="4023541" cy="1168386"/>
           </a:xfrm>
           <a:prstGeom prst="rect">
@@ -1871,7 +1871,7 @@
         </p:nvSpPr>
         <p:spPr>
           <a:xfrm>
-            <a:off x="4981585" y="9650149"/>
+            <a:off x="4981584" y="10280409"/>
             <a:ext cx="4023540" cy="398359"/>
           </a:xfrm>
           <a:prstGeom prst="rect">
@@ -2091,7 +2091,7 @@
         </p:nvSpPr>
         <p:spPr>
           <a:xfrm>
-            <a:off x="4981585" y="8285632"/>
+            <a:off x="4981574" y="9037583"/>
             <a:ext cx="4023550" cy="1168386"/>
           </a:xfrm>
           <a:prstGeom prst="rect">
@@ -2146,7 +2146,7 @@
         </p:nvSpPr>
         <p:spPr>
           <a:xfrm>
-            <a:off x="4981585" y="7828267"/>
+            <a:off x="4981574" y="8563639"/>
             <a:ext cx="4023550" cy="401098"/>
           </a:xfrm>
           <a:prstGeom prst="rect">
@@ -2275,680 +2275,6 @@
           </a:p>
         </p:txBody>
       </p:sp>
-      <p:sp>
-        <p:nvSpPr>
-          <p:cNvPr id="10" name="Rectangle: Rounded Corners 9">
-            <a:extLst>
-              <a:ext uri="{FF2B5EF4-FFF2-40B4-BE49-F238E27FC236}">
-                <a16:creationId xmlns:a16="http://schemas.microsoft.com/office/drawing/2014/main" id="{AE671570-F2C0-446C-B1AE-7AEE092E99C4}"/>
-              </a:ext>
-            </a:extLst>
-          </p:cNvPr>
-          <p:cNvSpPr/>
-          <p:nvPr/>
-        </p:nvSpPr>
-        <p:spPr>
-          <a:xfrm>
-            <a:off x="5752407" y="3640975"/>
-            <a:ext cx="1562793" cy="401097"/>
-          </a:xfrm>
-          <a:prstGeom prst="roundRect">
-            <a:avLst/>
-          </a:prstGeom>
-        </p:spPr>
-        <p:style>
-          <a:lnRef idx="1">
-            <a:schemeClr val="accent5"/>
-          </a:lnRef>
-          <a:fillRef idx="2">
-            <a:schemeClr val="accent5"/>
-          </a:fillRef>
-          <a:effectRef idx="1">
-            <a:schemeClr val="accent5"/>
-          </a:effectRef>
-          <a:fontRef idx="minor">
-            <a:schemeClr val="dk1"/>
-          </a:fontRef>
-        </p:style>
-        <p:txBody>
-          <a:bodyPr rtlCol="0" anchor="ctr"/>
-          <a:lstStyle/>
-          <a:p>
-            <a:pPr algn="ctr"/>
-            <a:r>
-              <a:rPr lang="en-US" sz="1200" dirty="0"/>
-              <a:t>Program setup</a:t>
-            </a:r>
-            <a:endParaRPr lang="LID4096" sz="1200" dirty="0"/>
-          </a:p>
-        </p:txBody>
-      </p:sp>
-      <p:sp>
-        <p:nvSpPr>
-          <p:cNvPr id="11" name="Rectangle 10">
-            <a:extLst>
-              <a:ext uri="{FF2B5EF4-FFF2-40B4-BE49-F238E27FC236}">
-                <a16:creationId xmlns:a16="http://schemas.microsoft.com/office/drawing/2014/main" id="{3F4EC790-5304-44B6-81FB-E3694B6384B1}"/>
-              </a:ext>
-            </a:extLst>
-          </p:cNvPr>
-          <p:cNvSpPr/>
-          <p:nvPr/>
-        </p:nvSpPr>
-        <p:spPr>
-          <a:xfrm>
-            <a:off x="5752407" y="4302143"/>
-            <a:ext cx="1562793" cy="298081"/>
-          </a:xfrm>
-          <a:prstGeom prst="rect">
-            <a:avLst/>
-          </a:prstGeom>
-        </p:spPr>
-        <p:style>
-          <a:lnRef idx="1">
-            <a:schemeClr val="accent5"/>
-          </a:lnRef>
-          <a:fillRef idx="2">
-            <a:schemeClr val="accent5"/>
-          </a:fillRef>
-          <a:effectRef idx="1">
-            <a:schemeClr val="accent5"/>
-          </a:effectRef>
-          <a:fontRef idx="minor">
-            <a:schemeClr val="dk1"/>
-          </a:fontRef>
-        </p:style>
-        <p:txBody>
-          <a:bodyPr rtlCol="0" anchor="ctr"/>
-          <a:lstStyle/>
-          <a:p>
-            <a:pPr algn="ctr"/>
-            <a:r>
-              <a:rPr lang="en-US" sz="1200" dirty="0"/>
-              <a:t>Start measurement</a:t>
-            </a:r>
-            <a:endParaRPr lang="LID4096" sz="1200" dirty="0"/>
-          </a:p>
-        </p:txBody>
-      </p:sp>
-      <p:sp>
-        <p:nvSpPr>
-          <p:cNvPr id="31" name="Rectangle 30">
-            <a:extLst>
-              <a:ext uri="{FF2B5EF4-FFF2-40B4-BE49-F238E27FC236}">
-                <a16:creationId xmlns:a16="http://schemas.microsoft.com/office/drawing/2014/main" id="{0EFEFA76-9576-4A45-BACF-FA0B17ECB529}"/>
-              </a:ext>
-            </a:extLst>
-          </p:cNvPr>
-          <p:cNvSpPr/>
-          <p:nvPr/>
-        </p:nvSpPr>
-        <p:spPr>
-          <a:xfrm>
-            <a:off x="5752404" y="4855685"/>
-            <a:ext cx="1562793" cy="298081"/>
-          </a:xfrm>
-          <a:prstGeom prst="rect">
-            <a:avLst/>
-          </a:prstGeom>
-        </p:spPr>
-        <p:style>
-          <a:lnRef idx="1">
-            <a:schemeClr val="accent5"/>
-          </a:lnRef>
-          <a:fillRef idx="2">
-            <a:schemeClr val="accent5"/>
-          </a:fillRef>
-          <a:effectRef idx="1">
-            <a:schemeClr val="accent5"/>
-          </a:effectRef>
-          <a:fontRef idx="minor">
-            <a:schemeClr val="dk1"/>
-          </a:fontRef>
-        </p:style>
-        <p:txBody>
-          <a:bodyPr rtlCol="0" anchor="ctr"/>
-          <a:lstStyle/>
-          <a:p>
-            <a:pPr algn="ctr"/>
-            <a:r>
-              <a:rPr lang="en-US" sz="1200" dirty="0"/>
-              <a:t>Run NN</a:t>
-            </a:r>
-            <a:endParaRPr lang="LID4096" sz="1200" dirty="0"/>
-          </a:p>
-        </p:txBody>
-      </p:sp>
-      <p:sp>
-        <p:nvSpPr>
-          <p:cNvPr id="32" name="Rectangle 31">
-            <a:extLst>
-              <a:ext uri="{FF2B5EF4-FFF2-40B4-BE49-F238E27FC236}">
-                <a16:creationId xmlns:a16="http://schemas.microsoft.com/office/drawing/2014/main" id="{FB8DFED7-D372-48C5-92F3-99148B4B6F59}"/>
-              </a:ext>
-            </a:extLst>
-          </p:cNvPr>
-          <p:cNvSpPr/>
-          <p:nvPr/>
-        </p:nvSpPr>
-        <p:spPr>
-          <a:xfrm>
-            <a:off x="5752407" y="5416233"/>
-            <a:ext cx="1562793" cy="298081"/>
-          </a:xfrm>
-          <a:prstGeom prst="rect">
-            <a:avLst/>
-          </a:prstGeom>
-        </p:spPr>
-        <p:style>
-          <a:lnRef idx="1">
-            <a:schemeClr val="accent5"/>
-          </a:lnRef>
-          <a:fillRef idx="2">
-            <a:schemeClr val="accent5"/>
-          </a:fillRef>
-          <a:effectRef idx="1">
-            <a:schemeClr val="accent5"/>
-          </a:effectRef>
-          <a:fontRef idx="minor">
-            <a:schemeClr val="dk1"/>
-          </a:fontRef>
-        </p:style>
-        <p:txBody>
-          <a:bodyPr rtlCol="0" anchor="ctr"/>
-          <a:lstStyle/>
-          <a:p>
-            <a:pPr algn="ctr"/>
-            <a:r>
-              <a:rPr lang="en-US" sz="1200" dirty="0"/>
-              <a:t>End measurement </a:t>
-            </a:r>
-          </a:p>
-          <a:p>
-            <a:pPr algn="ctr"/>
-            <a:r>
-              <a:rPr lang="en-US" sz="1200" dirty="0"/>
-              <a:t>iterations +1</a:t>
-            </a:r>
-            <a:endParaRPr lang="LID4096" sz="1200" dirty="0"/>
-          </a:p>
-        </p:txBody>
-      </p:sp>
-      <p:sp>
-        <p:nvSpPr>
-          <p:cNvPr id="14" name="Diamond 13">
-            <a:extLst>
-              <a:ext uri="{FF2B5EF4-FFF2-40B4-BE49-F238E27FC236}">
-                <a16:creationId xmlns:a16="http://schemas.microsoft.com/office/drawing/2014/main" id="{1EB29D44-138C-4E97-9514-8170E7D8217C}"/>
-              </a:ext>
-            </a:extLst>
-          </p:cNvPr>
-          <p:cNvSpPr/>
-          <p:nvPr/>
-        </p:nvSpPr>
-        <p:spPr>
-          <a:xfrm>
-            <a:off x="5586154" y="5976781"/>
-            <a:ext cx="1878676" cy="1097497"/>
-          </a:xfrm>
-          <a:prstGeom prst="diamond">
-            <a:avLst/>
-          </a:prstGeom>
-        </p:spPr>
-        <p:style>
-          <a:lnRef idx="1">
-            <a:schemeClr val="accent5"/>
-          </a:lnRef>
-          <a:fillRef idx="2">
-            <a:schemeClr val="accent5"/>
-          </a:fillRef>
-          <a:effectRef idx="1">
-            <a:schemeClr val="accent5"/>
-          </a:effectRef>
-          <a:fontRef idx="minor">
-            <a:schemeClr val="dk1"/>
-          </a:fontRef>
-        </p:style>
-        <p:txBody>
-          <a:bodyPr rtlCol="0" anchor="ctr"/>
-          <a:lstStyle/>
-          <a:p>
-            <a:pPr algn="ctr"/>
-            <a:r>
-              <a:rPr lang="en-US" sz="1200" dirty="0"/>
-              <a:t>#iterations = 20?</a:t>
-            </a:r>
-            <a:endParaRPr lang="LID4096" sz="1200" dirty="0"/>
-          </a:p>
-        </p:txBody>
-      </p:sp>
-      <p:sp>
-        <p:nvSpPr>
-          <p:cNvPr id="15" name="Rectangle: Rounded Corners 14">
-            <a:extLst>
-              <a:ext uri="{FF2B5EF4-FFF2-40B4-BE49-F238E27FC236}">
-                <a16:creationId xmlns:a16="http://schemas.microsoft.com/office/drawing/2014/main" id="{15F02309-72DF-40D7-BC71-81D79CB9B485}"/>
-              </a:ext>
-            </a:extLst>
-          </p:cNvPr>
-          <p:cNvSpPr/>
-          <p:nvPr/>
-        </p:nvSpPr>
-        <p:spPr>
-          <a:xfrm>
-            <a:off x="5744097" y="7325098"/>
-            <a:ext cx="1562790" cy="370817"/>
-          </a:xfrm>
-          <a:prstGeom prst="roundRect">
-            <a:avLst/>
-          </a:prstGeom>
-        </p:spPr>
-        <p:style>
-          <a:lnRef idx="1">
-            <a:schemeClr val="accent5"/>
-          </a:lnRef>
-          <a:fillRef idx="2">
-            <a:schemeClr val="accent5"/>
-          </a:fillRef>
-          <a:effectRef idx="1">
-            <a:schemeClr val="accent5"/>
-          </a:effectRef>
-          <a:fontRef idx="minor">
-            <a:schemeClr val="dk1"/>
-          </a:fontRef>
-        </p:style>
-        <p:txBody>
-          <a:bodyPr rtlCol="0" anchor="ctr"/>
-          <a:lstStyle/>
-          <a:p>
-            <a:pPr algn="ctr"/>
-            <a:r>
-              <a:rPr lang="en-US" sz="1200" dirty="0"/>
-              <a:t>Next program</a:t>
-            </a:r>
-            <a:endParaRPr lang="LID4096" sz="1200" dirty="0"/>
-          </a:p>
-        </p:txBody>
-      </p:sp>
-      <p:cxnSp>
-        <p:nvCxnSpPr>
-          <p:cNvPr id="39" name="Connector: Elbow 38">
-            <a:extLst>
-              <a:ext uri="{FF2B5EF4-FFF2-40B4-BE49-F238E27FC236}">
-                <a16:creationId xmlns:a16="http://schemas.microsoft.com/office/drawing/2014/main" id="{222A3B88-8E0B-45C7-9EBC-7FFB924B1E2E}"/>
-              </a:ext>
-            </a:extLst>
-          </p:cNvPr>
-          <p:cNvCxnSpPr>
-            <a:cxnSpLocks/>
-            <a:stCxn id="14" idx="3"/>
-            <a:endCxn id="11" idx="3"/>
-          </p:cNvCxnSpPr>
-          <p:nvPr/>
-        </p:nvCxnSpPr>
-        <p:spPr>
-          <a:xfrm flipH="1" flipV="1">
-            <a:off x="7315200" y="4451184"/>
-            <a:ext cx="149630" cy="2074346"/>
-          </a:xfrm>
-          <a:prstGeom prst="bentConnector3">
-            <a:avLst>
-              <a:gd name="adj1" fmla="val -86111"/>
-            </a:avLst>
-          </a:prstGeom>
-          <a:ln>
-            <a:tailEnd type="triangle"/>
-          </a:ln>
-        </p:spPr>
-        <p:style>
-          <a:lnRef idx="2">
-            <a:schemeClr val="accent1"/>
-          </a:lnRef>
-          <a:fillRef idx="0">
-            <a:schemeClr val="accent1"/>
-          </a:fillRef>
-          <a:effectRef idx="1">
-            <a:schemeClr val="accent1"/>
-          </a:effectRef>
-          <a:fontRef idx="minor">
-            <a:schemeClr val="tx1"/>
-          </a:fontRef>
-        </p:style>
-      </p:cxnSp>
-      <p:cxnSp>
-        <p:nvCxnSpPr>
-          <p:cNvPr id="36" name="Straight Arrow Connector 35">
-            <a:extLst>
-              <a:ext uri="{FF2B5EF4-FFF2-40B4-BE49-F238E27FC236}">
-                <a16:creationId xmlns:a16="http://schemas.microsoft.com/office/drawing/2014/main" id="{77CD33CA-4BC4-4EBB-AB2D-8A3ED8E3BC19}"/>
-              </a:ext>
-            </a:extLst>
-          </p:cNvPr>
-          <p:cNvCxnSpPr>
-            <a:cxnSpLocks/>
-            <a:stCxn id="14" idx="2"/>
-            <a:endCxn id="15" idx="0"/>
-          </p:cNvCxnSpPr>
-          <p:nvPr/>
-        </p:nvCxnSpPr>
-        <p:spPr>
-          <a:xfrm>
-            <a:off x="6525492" y="7074278"/>
-            <a:ext cx="0" cy="250820"/>
-          </a:xfrm>
-          <a:prstGeom prst="straightConnector1">
-            <a:avLst/>
-          </a:prstGeom>
-          <a:ln>
-            <a:tailEnd type="triangle"/>
-          </a:ln>
-        </p:spPr>
-        <p:style>
-          <a:lnRef idx="2">
-            <a:schemeClr val="accent1"/>
-          </a:lnRef>
-          <a:fillRef idx="0">
-            <a:schemeClr val="accent1"/>
-          </a:fillRef>
-          <a:effectRef idx="1">
-            <a:schemeClr val="accent1"/>
-          </a:effectRef>
-          <a:fontRef idx="minor">
-            <a:schemeClr val="tx1"/>
-          </a:fontRef>
-        </p:style>
-      </p:cxnSp>
-      <p:cxnSp>
-        <p:nvCxnSpPr>
-          <p:cNvPr id="40" name="Straight Arrow Connector 39">
-            <a:extLst>
-              <a:ext uri="{FF2B5EF4-FFF2-40B4-BE49-F238E27FC236}">
-                <a16:creationId xmlns:a16="http://schemas.microsoft.com/office/drawing/2014/main" id="{FD530719-D210-4846-9890-F74D9D64D07A}"/>
-              </a:ext>
-            </a:extLst>
-          </p:cNvPr>
-          <p:cNvCxnSpPr>
-            <a:cxnSpLocks/>
-            <a:stCxn id="32" idx="2"/>
-            <a:endCxn id="14" idx="0"/>
-          </p:cNvCxnSpPr>
-          <p:nvPr/>
-        </p:nvCxnSpPr>
-        <p:spPr>
-          <a:xfrm flipH="1">
-            <a:off x="6525492" y="5714314"/>
-            <a:ext cx="8312" cy="262467"/>
-          </a:xfrm>
-          <a:prstGeom prst="straightConnector1">
-            <a:avLst/>
-          </a:prstGeom>
-          <a:ln>
-            <a:tailEnd type="triangle"/>
-          </a:ln>
-        </p:spPr>
-        <p:style>
-          <a:lnRef idx="2">
-            <a:schemeClr val="accent1"/>
-          </a:lnRef>
-          <a:fillRef idx="0">
-            <a:schemeClr val="accent1"/>
-          </a:fillRef>
-          <a:effectRef idx="1">
-            <a:schemeClr val="accent1"/>
-          </a:effectRef>
-          <a:fontRef idx="minor">
-            <a:schemeClr val="tx1"/>
-          </a:fontRef>
-        </p:style>
-      </p:cxnSp>
-      <p:cxnSp>
-        <p:nvCxnSpPr>
-          <p:cNvPr id="45" name="Straight Arrow Connector 44">
-            <a:extLst>
-              <a:ext uri="{FF2B5EF4-FFF2-40B4-BE49-F238E27FC236}">
-                <a16:creationId xmlns:a16="http://schemas.microsoft.com/office/drawing/2014/main" id="{F7E2F7EB-3939-4A28-B195-B03ED3C1B1E2}"/>
-              </a:ext>
-            </a:extLst>
-          </p:cNvPr>
-          <p:cNvCxnSpPr>
-            <a:cxnSpLocks/>
-            <a:stCxn id="31" idx="2"/>
-            <a:endCxn id="32" idx="0"/>
-          </p:cNvCxnSpPr>
-          <p:nvPr/>
-        </p:nvCxnSpPr>
-        <p:spPr>
-          <a:xfrm>
-            <a:off x="6533801" y="5153766"/>
-            <a:ext cx="3" cy="262467"/>
-          </a:xfrm>
-          <a:prstGeom prst="straightConnector1">
-            <a:avLst/>
-          </a:prstGeom>
-          <a:ln>
-            <a:tailEnd type="triangle"/>
-          </a:ln>
-        </p:spPr>
-        <p:style>
-          <a:lnRef idx="2">
-            <a:schemeClr val="accent1"/>
-          </a:lnRef>
-          <a:fillRef idx="0">
-            <a:schemeClr val="accent1"/>
-          </a:fillRef>
-          <a:effectRef idx="1">
-            <a:schemeClr val="accent1"/>
-          </a:effectRef>
-          <a:fontRef idx="minor">
-            <a:schemeClr val="tx1"/>
-          </a:fontRef>
-        </p:style>
-      </p:cxnSp>
-      <p:cxnSp>
-        <p:nvCxnSpPr>
-          <p:cNvPr id="52" name="Straight Arrow Connector 51">
-            <a:extLst>
-              <a:ext uri="{FF2B5EF4-FFF2-40B4-BE49-F238E27FC236}">
-                <a16:creationId xmlns:a16="http://schemas.microsoft.com/office/drawing/2014/main" id="{07E8A821-2069-412B-8ED2-F918D4972ED2}"/>
-              </a:ext>
-            </a:extLst>
-          </p:cNvPr>
-          <p:cNvCxnSpPr>
-            <a:cxnSpLocks/>
-            <a:stCxn id="11" idx="2"/>
-            <a:endCxn id="31" idx="0"/>
-          </p:cNvCxnSpPr>
-          <p:nvPr/>
-        </p:nvCxnSpPr>
-        <p:spPr>
-          <a:xfrm flipH="1">
-            <a:off x="6533801" y="4600224"/>
-            <a:ext cx="3" cy="255461"/>
-          </a:xfrm>
-          <a:prstGeom prst="straightConnector1">
-            <a:avLst/>
-          </a:prstGeom>
-          <a:ln>
-            <a:tailEnd type="triangle"/>
-          </a:ln>
-        </p:spPr>
-        <p:style>
-          <a:lnRef idx="2">
-            <a:schemeClr val="accent1"/>
-          </a:lnRef>
-          <a:fillRef idx="0">
-            <a:schemeClr val="accent1"/>
-          </a:fillRef>
-          <a:effectRef idx="1">
-            <a:schemeClr val="accent1"/>
-          </a:effectRef>
-          <a:fontRef idx="minor">
-            <a:schemeClr val="tx1"/>
-          </a:fontRef>
-        </p:style>
-      </p:cxnSp>
-      <p:cxnSp>
-        <p:nvCxnSpPr>
-          <p:cNvPr id="55" name="Straight Arrow Connector 54">
-            <a:extLst>
-              <a:ext uri="{FF2B5EF4-FFF2-40B4-BE49-F238E27FC236}">
-                <a16:creationId xmlns:a16="http://schemas.microsoft.com/office/drawing/2014/main" id="{8B83D5DB-F64C-4252-A46B-E60E039E711E}"/>
-              </a:ext>
-            </a:extLst>
-          </p:cNvPr>
-          <p:cNvCxnSpPr>
-            <a:cxnSpLocks/>
-            <a:stCxn id="10" idx="2"/>
-            <a:endCxn id="11" idx="0"/>
-          </p:cNvCxnSpPr>
-          <p:nvPr/>
-        </p:nvCxnSpPr>
-        <p:spPr>
-          <a:xfrm>
-            <a:off x="6533804" y="4042072"/>
-            <a:ext cx="0" cy="260071"/>
-          </a:xfrm>
-          <a:prstGeom prst="straightConnector1">
-            <a:avLst/>
-          </a:prstGeom>
-          <a:ln>
-            <a:tailEnd type="triangle"/>
-          </a:ln>
-        </p:spPr>
-        <p:style>
-          <a:lnRef idx="2">
-            <a:schemeClr val="accent1"/>
-          </a:lnRef>
-          <a:fillRef idx="0">
-            <a:schemeClr val="accent1"/>
-          </a:fillRef>
-          <a:effectRef idx="1">
-            <a:schemeClr val="accent1"/>
-          </a:effectRef>
-          <a:fontRef idx="minor">
-            <a:schemeClr val="tx1"/>
-          </a:fontRef>
-        </p:style>
-      </p:cxnSp>
-      <p:sp>
-        <p:nvSpPr>
-          <p:cNvPr id="58" name="TextBox 57">
-            <a:extLst>
-              <a:ext uri="{FF2B5EF4-FFF2-40B4-BE49-F238E27FC236}">
-                <a16:creationId xmlns:a16="http://schemas.microsoft.com/office/drawing/2014/main" id="{200C0974-F70E-42A4-B33D-01B1A63EC9B9}"/>
-              </a:ext>
-            </a:extLst>
-          </p:cNvPr>
-          <p:cNvSpPr txBox="1"/>
-          <p:nvPr/>
-        </p:nvSpPr>
-        <p:spPr>
-          <a:xfrm>
-            <a:off x="7306887" y="6175291"/>
-            <a:ext cx="640080" cy="423193"/>
-          </a:xfrm>
-          <a:prstGeom prst="rect">
-            <a:avLst/>
-          </a:prstGeom>
-          <a:noFill/>
-        </p:spPr>
-        <p:txBody>
-          <a:bodyPr wrap="square" rtlCol="0">
-            <a:spAutoFit/>
-          </a:bodyPr>
-          <a:lstStyle/>
-          <a:p>
-            <a:r>
-              <a:rPr lang="en-US" sz="1100" dirty="0"/>
-              <a:t>No</a:t>
-            </a:r>
-            <a:endParaRPr lang="en-US" sz="1050" dirty="0"/>
-          </a:p>
-          <a:p>
-            <a:endParaRPr lang="LID4096" sz="1050" dirty="0"/>
-          </a:p>
-        </p:txBody>
-      </p:sp>
-      <p:sp>
-        <p:nvSpPr>
-          <p:cNvPr id="59" name="TextBox 58">
-            <a:extLst>
-              <a:ext uri="{FF2B5EF4-FFF2-40B4-BE49-F238E27FC236}">
-                <a16:creationId xmlns:a16="http://schemas.microsoft.com/office/drawing/2014/main" id="{68CC50F4-BFC8-4158-B555-35B735C8D914}"/>
-              </a:ext>
-            </a:extLst>
-          </p:cNvPr>
-          <p:cNvSpPr txBox="1"/>
-          <p:nvPr/>
-        </p:nvSpPr>
-        <p:spPr>
-          <a:xfrm>
-            <a:off x="6650182" y="6931319"/>
-            <a:ext cx="515385" cy="261610"/>
-          </a:xfrm>
-          <a:prstGeom prst="rect">
-            <a:avLst/>
-          </a:prstGeom>
-          <a:noFill/>
-        </p:spPr>
-        <p:txBody>
-          <a:bodyPr wrap="square" rtlCol="0">
-            <a:spAutoFit/>
-          </a:bodyPr>
-          <a:lstStyle/>
-          <a:p>
-            <a:r>
-              <a:rPr lang="en-US" sz="1100" dirty="0"/>
-              <a:t>Yes</a:t>
-            </a:r>
-          </a:p>
-        </p:txBody>
-      </p:sp>
-      <p:cxnSp>
-        <p:nvCxnSpPr>
-          <p:cNvPr id="61" name="Connector: Elbow 60">
-            <a:extLst>
-              <a:ext uri="{FF2B5EF4-FFF2-40B4-BE49-F238E27FC236}">
-                <a16:creationId xmlns:a16="http://schemas.microsoft.com/office/drawing/2014/main" id="{E3321F70-1A7F-4207-AD5F-09B4D50419E5}"/>
-              </a:ext>
-            </a:extLst>
-          </p:cNvPr>
-          <p:cNvCxnSpPr>
-            <a:cxnSpLocks/>
-            <a:stCxn id="15" idx="3"/>
-            <a:endCxn id="10" idx="3"/>
-          </p:cNvCxnSpPr>
-          <p:nvPr/>
-        </p:nvCxnSpPr>
-        <p:spPr>
-          <a:xfrm flipV="1">
-            <a:off x="7306887" y="3841524"/>
-            <a:ext cx="8313" cy="3668983"/>
-          </a:xfrm>
-          <a:prstGeom prst="bentConnector3">
-            <a:avLst>
-              <a:gd name="adj1" fmla="val 4849838"/>
-            </a:avLst>
-          </a:prstGeom>
-          <a:ln>
-            <a:tailEnd type="triangle"/>
-          </a:ln>
-        </p:spPr>
-        <p:style>
-          <a:lnRef idx="2">
-            <a:schemeClr val="accent1"/>
-          </a:lnRef>
-          <a:fillRef idx="0">
-            <a:schemeClr val="accent1"/>
-          </a:fillRef>
-          <a:effectRef idx="1">
-            <a:schemeClr val="accent1"/>
-          </a:effectRef>
-          <a:fontRef idx="minor">
-            <a:schemeClr val="tx1"/>
-          </a:fontRef>
-        </p:style>
-      </p:cxnSp>
       <p:pic>
         <p:nvPicPr>
           <p:cNvPr id="67" name="Picture 66">
@@ -2978,6 +2304,1350 @@
           </a:prstGeom>
         </p:spPr>
       </p:pic>
+      <p:sp>
+        <p:nvSpPr>
+          <p:cNvPr id="7" name="Rectangle 6">
+            <a:extLst>
+              <a:ext uri="{FF2B5EF4-FFF2-40B4-BE49-F238E27FC236}">
+                <a16:creationId xmlns:a16="http://schemas.microsoft.com/office/drawing/2014/main" id="{3C3C20D0-9F15-4D88-9432-11F2509BC3FE}"/>
+              </a:ext>
+            </a:extLst>
+          </p:cNvPr>
+          <p:cNvSpPr/>
+          <p:nvPr/>
+        </p:nvSpPr>
+        <p:spPr>
+          <a:xfrm>
+            <a:off x="4981584" y="3729557"/>
+            <a:ext cx="4211054" cy="1575295"/>
+          </a:xfrm>
+          <a:prstGeom prst="rect">
+            <a:avLst/>
+          </a:prstGeom>
+        </p:spPr>
+        <p:style>
+          <a:lnRef idx="1">
+            <a:schemeClr val="accent6"/>
+          </a:lnRef>
+          <a:fillRef idx="3">
+            <a:schemeClr val="accent6"/>
+          </a:fillRef>
+          <a:effectRef idx="2">
+            <a:schemeClr val="accent6"/>
+          </a:effectRef>
+          <a:fontRef idx="minor">
+            <a:schemeClr val="lt1"/>
+          </a:fontRef>
+        </p:style>
+        <p:txBody>
+          <a:bodyPr rtlCol="0" anchor="ctr"/>
+          <a:lstStyle/>
+          <a:p>
+            <a:pPr algn="ctr"/>
+            <a:endParaRPr lang="LID4096"/>
+          </a:p>
+        </p:txBody>
+      </p:sp>
+      <p:sp>
+        <p:nvSpPr>
+          <p:cNvPr id="33" name="Rectangle 32">
+            <a:extLst>
+              <a:ext uri="{FF2B5EF4-FFF2-40B4-BE49-F238E27FC236}">
+                <a16:creationId xmlns:a16="http://schemas.microsoft.com/office/drawing/2014/main" id="{06F2B1F8-F56C-4DBA-8F68-E53F1514A744}"/>
+              </a:ext>
+            </a:extLst>
+          </p:cNvPr>
+          <p:cNvSpPr/>
+          <p:nvPr/>
+        </p:nvSpPr>
+        <p:spPr>
+          <a:xfrm>
+            <a:off x="4981584" y="5588618"/>
+            <a:ext cx="4211054" cy="1504148"/>
+          </a:xfrm>
+          <a:prstGeom prst="rect">
+            <a:avLst/>
+          </a:prstGeom>
+        </p:spPr>
+        <p:style>
+          <a:lnRef idx="1">
+            <a:schemeClr val="accent6"/>
+          </a:lnRef>
+          <a:fillRef idx="3">
+            <a:schemeClr val="accent6"/>
+          </a:fillRef>
+          <a:effectRef idx="2">
+            <a:schemeClr val="accent6"/>
+          </a:effectRef>
+          <a:fontRef idx="minor">
+            <a:schemeClr val="lt1"/>
+          </a:fontRef>
+        </p:style>
+        <p:txBody>
+          <a:bodyPr rtlCol="0" anchor="ctr"/>
+          <a:lstStyle/>
+          <a:p>
+            <a:pPr algn="ctr"/>
+            <a:endParaRPr lang="LID4096"/>
+          </a:p>
+        </p:txBody>
+      </p:sp>
+      <p:sp>
+        <p:nvSpPr>
+          <p:cNvPr id="34" name="Rectangle 33">
+            <a:extLst>
+              <a:ext uri="{FF2B5EF4-FFF2-40B4-BE49-F238E27FC236}">
+                <a16:creationId xmlns:a16="http://schemas.microsoft.com/office/drawing/2014/main" id="{AE656219-C312-42E0-BE88-71E7A1E600FA}"/>
+              </a:ext>
+            </a:extLst>
+          </p:cNvPr>
+          <p:cNvSpPr/>
+          <p:nvPr/>
+        </p:nvSpPr>
+        <p:spPr>
+          <a:xfrm>
+            <a:off x="4981584" y="7371027"/>
+            <a:ext cx="4211054" cy="1150675"/>
+          </a:xfrm>
+          <a:prstGeom prst="rect">
+            <a:avLst/>
+          </a:prstGeom>
+        </p:spPr>
+        <p:style>
+          <a:lnRef idx="1">
+            <a:schemeClr val="accent6"/>
+          </a:lnRef>
+          <a:fillRef idx="3">
+            <a:schemeClr val="accent6"/>
+          </a:fillRef>
+          <a:effectRef idx="2">
+            <a:schemeClr val="accent6"/>
+          </a:effectRef>
+          <a:fontRef idx="minor">
+            <a:schemeClr val="lt1"/>
+          </a:fontRef>
+        </p:style>
+        <p:txBody>
+          <a:bodyPr rtlCol="0" anchor="ctr"/>
+          <a:lstStyle/>
+          <a:p>
+            <a:pPr algn="ctr"/>
+            <a:endParaRPr lang="LID4096"/>
+          </a:p>
+        </p:txBody>
+      </p:sp>
+      <p:sp>
+        <p:nvSpPr>
+          <p:cNvPr id="8" name="TextBox 7">
+            <a:extLst>
+              <a:ext uri="{FF2B5EF4-FFF2-40B4-BE49-F238E27FC236}">
+                <a16:creationId xmlns:a16="http://schemas.microsoft.com/office/drawing/2014/main" id="{A6A4B620-A140-4B90-8DD2-808C02B08E1A}"/>
+              </a:ext>
+            </a:extLst>
+          </p:cNvPr>
+          <p:cNvSpPr txBox="1"/>
+          <p:nvPr/>
+        </p:nvSpPr>
+        <p:spPr>
+          <a:xfrm>
+            <a:off x="4919109" y="3496679"/>
+            <a:ext cx="1737549" cy="261610"/>
+          </a:xfrm>
+          <a:prstGeom prst="rect">
+            <a:avLst/>
+          </a:prstGeom>
+          <a:noFill/>
+        </p:spPr>
+        <p:txBody>
+          <a:bodyPr wrap="square" rtlCol="0">
+            <a:spAutoFit/>
+          </a:bodyPr>
+          <a:lstStyle/>
+          <a:p>
+            <a:r>
+              <a:rPr lang="en-US" sz="1100" dirty="0"/>
+              <a:t>Training models:</a:t>
+            </a:r>
+          </a:p>
+        </p:txBody>
+      </p:sp>
+      <p:sp>
+        <p:nvSpPr>
+          <p:cNvPr id="37" name="TextBox 36">
+            <a:extLst>
+              <a:ext uri="{FF2B5EF4-FFF2-40B4-BE49-F238E27FC236}">
+                <a16:creationId xmlns:a16="http://schemas.microsoft.com/office/drawing/2014/main" id="{4DCAEECE-19A3-490C-AC4F-54452C661342}"/>
+              </a:ext>
+            </a:extLst>
+          </p:cNvPr>
+          <p:cNvSpPr txBox="1"/>
+          <p:nvPr/>
+        </p:nvSpPr>
+        <p:spPr>
+          <a:xfrm>
+            <a:off x="4919109" y="5342660"/>
+            <a:ext cx="1737549" cy="261610"/>
+          </a:xfrm>
+          <a:prstGeom prst="rect">
+            <a:avLst/>
+          </a:prstGeom>
+          <a:noFill/>
+        </p:spPr>
+        <p:txBody>
+          <a:bodyPr wrap="square" rtlCol="0">
+            <a:spAutoFit/>
+          </a:bodyPr>
+          <a:lstStyle/>
+          <a:p>
+            <a:r>
+              <a:rPr lang="en-US" sz="1100" dirty="0"/>
+              <a:t>Running models:</a:t>
+            </a:r>
+          </a:p>
+        </p:txBody>
+      </p:sp>
+      <p:sp>
+        <p:nvSpPr>
+          <p:cNvPr id="38" name="TextBox 37">
+            <a:extLst>
+              <a:ext uri="{FF2B5EF4-FFF2-40B4-BE49-F238E27FC236}">
+                <a16:creationId xmlns:a16="http://schemas.microsoft.com/office/drawing/2014/main" id="{76A3FBB4-7650-45BA-8A2E-03CD54808B6D}"/>
+              </a:ext>
+            </a:extLst>
+          </p:cNvPr>
+          <p:cNvSpPr txBox="1"/>
+          <p:nvPr/>
+        </p:nvSpPr>
+        <p:spPr>
+          <a:xfrm>
+            <a:off x="4919109" y="7109417"/>
+            <a:ext cx="1737549" cy="261610"/>
+          </a:xfrm>
+          <a:prstGeom prst="rect">
+            <a:avLst/>
+          </a:prstGeom>
+          <a:noFill/>
+        </p:spPr>
+        <p:txBody>
+          <a:bodyPr wrap="square" rtlCol="0">
+            <a:spAutoFit/>
+          </a:bodyPr>
+          <a:lstStyle/>
+          <a:p>
+            <a:r>
+              <a:rPr lang="en-US" sz="1100" dirty="0"/>
+              <a:t>Plotting results:</a:t>
+            </a:r>
+          </a:p>
+        </p:txBody>
+      </p:sp>
+      <p:sp>
+        <p:nvSpPr>
+          <p:cNvPr id="21" name="Flowchart: Preparation 20">
+            <a:extLst>
+              <a:ext uri="{FF2B5EF4-FFF2-40B4-BE49-F238E27FC236}">
+                <a16:creationId xmlns:a16="http://schemas.microsoft.com/office/drawing/2014/main" id="{07C2B86B-92EF-4331-9236-EDC279331584}"/>
+              </a:ext>
+            </a:extLst>
+          </p:cNvPr>
+          <p:cNvSpPr/>
+          <p:nvPr/>
+        </p:nvSpPr>
+        <p:spPr>
+          <a:xfrm>
+            <a:off x="5071509" y="3868381"/>
+            <a:ext cx="969368" cy="688068"/>
+          </a:xfrm>
+          <a:prstGeom prst="flowChartPreparation">
+            <a:avLst/>
+          </a:prstGeom>
+        </p:spPr>
+        <p:style>
+          <a:lnRef idx="1">
+            <a:schemeClr val="accent1"/>
+          </a:lnRef>
+          <a:fillRef idx="3">
+            <a:schemeClr val="accent1"/>
+          </a:fillRef>
+          <a:effectRef idx="2">
+            <a:schemeClr val="accent1"/>
+          </a:effectRef>
+          <a:fontRef idx="minor">
+            <a:schemeClr val="lt1"/>
+          </a:fontRef>
+        </p:style>
+        <p:txBody>
+          <a:bodyPr rtlCol="0" anchor="ctr"/>
+          <a:lstStyle/>
+          <a:p>
+            <a:pPr algn="ctr"/>
+            <a:r>
+              <a:rPr lang="en-US" sz="1100" dirty="0"/>
+              <a:t>Setup Data</a:t>
+            </a:r>
+            <a:endParaRPr lang="LID4096" sz="1100" dirty="0"/>
+          </a:p>
+        </p:txBody>
+      </p:sp>
+      <p:sp>
+        <p:nvSpPr>
+          <p:cNvPr id="25" name="Flowchart: Process 24">
+            <a:extLst>
+              <a:ext uri="{FF2B5EF4-FFF2-40B4-BE49-F238E27FC236}">
+                <a16:creationId xmlns:a16="http://schemas.microsoft.com/office/drawing/2014/main" id="{37E5FE92-45DF-414E-822C-49F49C0C1154}"/>
+              </a:ext>
+            </a:extLst>
+          </p:cNvPr>
+          <p:cNvSpPr/>
+          <p:nvPr/>
+        </p:nvSpPr>
+        <p:spPr>
+          <a:xfrm>
+            <a:off x="6422355" y="3862406"/>
+            <a:ext cx="1067104" cy="688068"/>
+          </a:xfrm>
+          <a:prstGeom prst="flowChartProcess">
+            <a:avLst/>
+          </a:prstGeom>
+        </p:spPr>
+        <p:style>
+          <a:lnRef idx="1">
+            <a:schemeClr val="accent1"/>
+          </a:lnRef>
+          <a:fillRef idx="3">
+            <a:schemeClr val="accent1"/>
+          </a:fillRef>
+          <a:effectRef idx="2">
+            <a:schemeClr val="accent1"/>
+          </a:effectRef>
+          <a:fontRef idx="minor">
+            <a:schemeClr val="lt1"/>
+          </a:fontRef>
+        </p:style>
+        <p:txBody>
+          <a:bodyPr rtlCol="0" anchor="ctr"/>
+          <a:lstStyle/>
+          <a:p>
+            <a:pPr algn="ctr"/>
+            <a:r>
+              <a:rPr lang="en-US" sz="1100" dirty="0"/>
+              <a:t>Train models</a:t>
+            </a:r>
+            <a:endParaRPr lang="LID4096" sz="1100" dirty="0"/>
+          </a:p>
+        </p:txBody>
+      </p:sp>
+      <p:sp>
+        <p:nvSpPr>
+          <p:cNvPr id="26" name="Flowchart: Process 25">
+            <a:extLst>
+              <a:ext uri="{FF2B5EF4-FFF2-40B4-BE49-F238E27FC236}">
+                <a16:creationId xmlns:a16="http://schemas.microsoft.com/office/drawing/2014/main" id="{4A659188-0D95-4B75-B220-A66754FEE9EA}"/>
+              </a:ext>
+            </a:extLst>
+          </p:cNvPr>
+          <p:cNvSpPr/>
+          <p:nvPr/>
+        </p:nvSpPr>
+        <p:spPr>
+          <a:xfrm>
+            <a:off x="7793660" y="3862405"/>
+            <a:ext cx="1136570" cy="688069"/>
+          </a:xfrm>
+          <a:prstGeom prst="flowChartProcess">
+            <a:avLst/>
+          </a:prstGeom>
+        </p:spPr>
+        <p:style>
+          <a:lnRef idx="1">
+            <a:schemeClr val="accent1"/>
+          </a:lnRef>
+          <a:fillRef idx="3">
+            <a:schemeClr val="accent1"/>
+          </a:fillRef>
+          <a:effectRef idx="2">
+            <a:schemeClr val="accent1"/>
+          </a:effectRef>
+          <a:fontRef idx="minor">
+            <a:schemeClr val="lt1"/>
+          </a:fontRef>
+        </p:style>
+        <p:txBody>
+          <a:bodyPr rtlCol="0" anchor="ctr"/>
+          <a:lstStyle/>
+          <a:p>
+            <a:pPr algn="ctr"/>
+            <a:r>
+              <a:rPr lang="en-US" sz="1100" dirty="0"/>
+              <a:t>Store model</a:t>
+            </a:r>
+            <a:endParaRPr lang="LID4096" sz="1100" dirty="0"/>
+          </a:p>
+        </p:txBody>
+      </p:sp>
+      <p:sp>
+        <p:nvSpPr>
+          <p:cNvPr id="27" name="Flowchart: Magnetic Disk 26">
+            <a:extLst>
+              <a:ext uri="{FF2B5EF4-FFF2-40B4-BE49-F238E27FC236}">
+                <a16:creationId xmlns:a16="http://schemas.microsoft.com/office/drawing/2014/main" id="{D829F95D-D897-4ECA-9E7A-363526506C5A}"/>
+              </a:ext>
+            </a:extLst>
+          </p:cNvPr>
+          <p:cNvSpPr/>
+          <p:nvPr/>
+        </p:nvSpPr>
+        <p:spPr>
+          <a:xfrm>
+            <a:off x="7793660" y="4812596"/>
+            <a:ext cx="1136570" cy="396765"/>
+          </a:xfrm>
+          <a:prstGeom prst="flowChartMagneticDisk">
+            <a:avLst/>
+          </a:prstGeom>
+        </p:spPr>
+        <p:style>
+          <a:lnRef idx="1">
+            <a:schemeClr val="accent1"/>
+          </a:lnRef>
+          <a:fillRef idx="3">
+            <a:schemeClr val="accent1"/>
+          </a:fillRef>
+          <a:effectRef idx="2">
+            <a:schemeClr val="accent1"/>
+          </a:effectRef>
+          <a:fontRef idx="minor">
+            <a:schemeClr val="lt1"/>
+          </a:fontRef>
+        </p:style>
+        <p:txBody>
+          <a:bodyPr rtlCol="0" anchor="ctr"/>
+          <a:lstStyle/>
+          <a:p>
+            <a:pPr algn="ctr"/>
+            <a:r>
+              <a:rPr lang="en-US" sz="1100" dirty="0"/>
+              <a:t>.</a:t>
+            </a:r>
+            <a:r>
+              <a:rPr lang="en-US" sz="1100" dirty="0" err="1"/>
+              <a:t>tflite</a:t>
+            </a:r>
+            <a:r>
+              <a:rPr lang="en-US" sz="1100" dirty="0"/>
+              <a:t>-file</a:t>
+            </a:r>
+            <a:endParaRPr lang="LID4096" sz="1100" dirty="0"/>
+          </a:p>
+        </p:txBody>
+      </p:sp>
+      <p:cxnSp>
+        <p:nvCxnSpPr>
+          <p:cNvPr id="29" name="Straight Arrow Connector 28">
+            <a:extLst>
+              <a:ext uri="{FF2B5EF4-FFF2-40B4-BE49-F238E27FC236}">
+                <a16:creationId xmlns:a16="http://schemas.microsoft.com/office/drawing/2014/main" id="{9E43C6C7-B0E5-478A-8294-2409D5DDC85B}"/>
+              </a:ext>
+            </a:extLst>
+          </p:cNvPr>
+          <p:cNvCxnSpPr>
+            <a:cxnSpLocks/>
+            <a:stCxn id="21" idx="3"/>
+            <a:endCxn id="25" idx="1"/>
+          </p:cNvCxnSpPr>
+          <p:nvPr/>
+        </p:nvCxnSpPr>
+        <p:spPr>
+          <a:xfrm flipV="1">
+            <a:off x="6040877" y="4206440"/>
+            <a:ext cx="381478" cy="5975"/>
+          </a:xfrm>
+          <a:prstGeom prst="straightConnector1">
+            <a:avLst/>
+          </a:prstGeom>
+          <a:ln>
+            <a:solidFill>
+              <a:srgbClr val="000000"/>
+            </a:solidFill>
+            <a:tailEnd type="triangle"/>
+          </a:ln>
+        </p:spPr>
+        <p:style>
+          <a:lnRef idx="2">
+            <a:schemeClr val="accent1"/>
+          </a:lnRef>
+          <a:fillRef idx="0">
+            <a:schemeClr val="accent1"/>
+          </a:fillRef>
+          <a:effectRef idx="1">
+            <a:schemeClr val="accent1"/>
+          </a:effectRef>
+          <a:fontRef idx="minor">
+            <a:schemeClr val="tx1"/>
+          </a:fontRef>
+        </p:style>
+      </p:cxnSp>
+      <p:cxnSp>
+        <p:nvCxnSpPr>
+          <p:cNvPr id="51" name="Straight Arrow Connector 50">
+            <a:extLst>
+              <a:ext uri="{FF2B5EF4-FFF2-40B4-BE49-F238E27FC236}">
+                <a16:creationId xmlns:a16="http://schemas.microsoft.com/office/drawing/2014/main" id="{F30ED661-3E1A-46B1-A7D0-D1AE5A74532A}"/>
+              </a:ext>
+            </a:extLst>
+          </p:cNvPr>
+          <p:cNvCxnSpPr>
+            <a:cxnSpLocks/>
+            <a:stCxn id="25" idx="3"/>
+            <a:endCxn id="26" idx="1"/>
+          </p:cNvCxnSpPr>
+          <p:nvPr/>
+        </p:nvCxnSpPr>
+        <p:spPr>
+          <a:xfrm>
+            <a:off x="7489459" y="4206440"/>
+            <a:ext cx="304201" cy="0"/>
+          </a:xfrm>
+          <a:prstGeom prst="straightConnector1">
+            <a:avLst/>
+          </a:prstGeom>
+          <a:ln>
+            <a:solidFill>
+              <a:srgbClr val="000000"/>
+            </a:solidFill>
+            <a:tailEnd type="triangle"/>
+          </a:ln>
+        </p:spPr>
+        <p:style>
+          <a:lnRef idx="2">
+            <a:schemeClr val="accent1"/>
+          </a:lnRef>
+          <a:fillRef idx="0">
+            <a:schemeClr val="accent1"/>
+          </a:fillRef>
+          <a:effectRef idx="1">
+            <a:schemeClr val="accent1"/>
+          </a:effectRef>
+          <a:fontRef idx="minor">
+            <a:schemeClr val="tx1"/>
+          </a:fontRef>
+        </p:style>
+      </p:cxnSp>
+      <p:cxnSp>
+        <p:nvCxnSpPr>
+          <p:cNvPr id="54" name="Straight Arrow Connector 53">
+            <a:extLst>
+              <a:ext uri="{FF2B5EF4-FFF2-40B4-BE49-F238E27FC236}">
+                <a16:creationId xmlns:a16="http://schemas.microsoft.com/office/drawing/2014/main" id="{1DC3833F-6D39-4A32-92F1-B30CEFFB6594}"/>
+              </a:ext>
+            </a:extLst>
+          </p:cNvPr>
+          <p:cNvCxnSpPr>
+            <a:cxnSpLocks/>
+            <a:stCxn id="26" idx="2"/>
+            <a:endCxn id="27" idx="1"/>
+          </p:cNvCxnSpPr>
+          <p:nvPr/>
+        </p:nvCxnSpPr>
+        <p:spPr>
+          <a:xfrm>
+            <a:off x="8361945" y="4550474"/>
+            <a:ext cx="0" cy="262122"/>
+          </a:xfrm>
+          <a:prstGeom prst="straightConnector1">
+            <a:avLst/>
+          </a:prstGeom>
+          <a:ln>
+            <a:solidFill>
+              <a:srgbClr val="000000"/>
+            </a:solidFill>
+            <a:tailEnd type="triangle"/>
+          </a:ln>
+        </p:spPr>
+        <p:style>
+          <a:lnRef idx="2">
+            <a:schemeClr val="accent1"/>
+          </a:lnRef>
+          <a:fillRef idx="0">
+            <a:schemeClr val="accent1"/>
+          </a:fillRef>
+          <a:effectRef idx="1">
+            <a:schemeClr val="accent1"/>
+          </a:effectRef>
+          <a:fontRef idx="minor">
+            <a:schemeClr val="tx1"/>
+          </a:fontRef>
+        </p:style>
+      </p:cxnSp>
+      <p:sp>
+        <p:nvSpPr>
+          <p:cNvPr id="57" name="Flowchart: Preparation 56">
+            <a:extLst>
+              <a:ext uri="{FF2B5EF4-FFF2-40B4-BE49-F238E27FC236}">
+                <a16:creationId xmlns:a16="http://schemas.microsoft.com/office/drawing/2014/main" id="{D9687D24-DBEC-480D-8866-251941AE508C}"/>
+              </a:ext>
+            </a:extLst>
+          </p:cNvPr>
+          <p:cNvSpPr/>
+          <p:nvPr/>
+        </p:nvSpPr>
+        <p:spPr>
+          <a:xfrm>
+            <a:off x="5071509" y="5703346"/>
+            <a:ext cx="969368" cy="688068"/>
+          </a:xfrm>
+          <a:prstGeom prst="flowChartPreparation">
+            <a:avLst/>
+          </a:prstGeom>
+        </p:spPr>
+        <p:style>
+          <a:lnRef idx="1">
+            <a:schemeClr val="accent1"/>
+          </a:lnRef>
+          <a:fillRef idx="3">
+            <a:schemeClr val="accent1"/>
+          </a:fillRef>
+          <a:effectRef idx="2">
+            <a:schemeClr val="accent1"/>
+          </a:effectRef>
+          <a:fontRef idx="minor">
+            <a:schemeClr val="lt1"/>
+          </a:fontRef>
+        </p:style>
+        <p:txBody>
+          <a:bodyPr rtlCol="0" anchor="ctr"/>
+          <a:lstStyle/>
+          <a:p>
+            <a:pPr algn="ctr"/>
+            <a:r>
+              <a:rPr lang="en-US" sz="1100" dirty="0"/>
+              <a:t>Setup Data</a:t>
+            </a:r>
+            <a:endParaRPr lang="LID4096" sz="1100" dirty="0"/>
+          </a:p>
+        </p:txBody>
+      </p:sp>
+      <p:sp>
+        <p:nvSpPr>
+          <p:cNvPr id="60" name="Flowchart: Process 59">
+            <a:extLst>
+              <a:ext uri="{FF2B5EF4-FFF2-40B4-BE49-F238E27FC236}">
+                <a16:creationId xmlns:a16="http://schemas.microsoft.com/office/drawing/2014/main" id="{1F9E9E86-F6F4-414E-A9C1-6ED4EFF50AEF}"/>
+              </a:ext>
+            </a:extLst>
+          </p:cNvPr>
+          <p:cNvSpPr/>
+          <p:nvPr/>
+        </p:nvSpPr>
+        <p:spPr>
+          <a:xfrm>
+            <a:off x="6422355" y="5697371"/>
+            <a:ext cx="1067104" cy="688068"/>
+          </a:xfrm>
+          <a:prstGeom prst="flowChartProcess">
+            <a:avLst/>
+          </a:prstGeom>
+        </p:spPr>
+        <p:style>
+          <a:lnRef idx="1">
+            <a:schemeClr val="accent1"/>
+          </a:lnRef>
+          <a:fillRef idx="3">
+            <a:schemeClr val="accent1"/>
+          </a:fillRef>
+          <a:effectRef idx="2">
+            <a:schemeClr val="accent1"/>
+          </a:effectRef>
+          <a:fontRef idx="minor">
+            <a:schemeClr val="lt1"/>
+          </a:fontRef>
+        </p:style>
+        <p:txBody>
+          <a:bodyPr rtlCol="0" anchor="ctr"/>
+          <a:lstStyle/>
+          <a:p>
+            <a:pPr algn="ctr"/>
+            <a:r>
+              <a:rPr lang="en-US" sz="1100" dirty="0"/>
+              <a:t>Run models</a:t>
+            </a:r>
+            <a:endParaRPr lang="LID4096" sz="1100" dirty="0"/>
+          </a:p>
+        </p:txBody>
+      </p:sp>
+      <p:sp>
+        <p:nvSpPr>
+          <p:cNvPr id="62" name="Flowchart: Process 61">
+            <a:extLst>
+              <a:ext uri="{FF2B5EF4-FFF2-40B4-BE49-F238E27FC236}">
+                <a16:creationId xmlns:a16="http://schemas.microsoft.com/office/drawing/2014/main" id="{D19CF328-DD0C-4ED9-811D-04B315C925F9}"/>
+              </a:ext>
+            </a:extLst>
+          </p:cNvPr>
+          <p:cNvSpPr/>
+          <p:nvPr/>
+        </p:nvSpPr>
+        <p:spPr>
+          <a:xfrm>
+            <a:off x="7793660" y="5697370"/>
+            <a:ext cx="1136570" cy="688069"/>
+          </a:xfrm>
+          <a:prstGeom prst="flowChartProcess">
+            <a:avLst/>
+          </a:prstGeom>
+        </p:spPr>
+        <p:style>
+          <a:lnRef idx="1">
+            <a:schemeClr val="accent1"/>
+          </a:lnRef>
+          <a:fillRef idx="3">
+            <a:schemeClr val="accent1"/>
+          </a:fillRef>
+          <a:effectRef idx="2">
+            <a:schemeClr val="accent1"/>
+          </a:effectRef>
+          <a:fontRef idx="minor">
+            <a:schemeClr val="lt1"/>
+          </a:fontRef>
+        </p:style>
+        <p:txBody>
+          <a:bodyPr rtlCol="0" anchor="ctr"/>
+          <a:lstStyle/>
+          <a:p>
+            <a:pPr algn="ctr"/>
+            <a:r>
+              <a:rPr lang="en-US" sz="1100" dirty="0"/>
+              <a:t>Store data</a:t>
+            </a:r>
+            <a:endParaRPr lang="LID4096" sz="1100" dirty="0"/>
+          </a:p>
+        </p:txBody>
+      </p:sp>
+      <p:sp>
+        <p:nvSpPr>
+          <p:cNvPr id="63" name="Flowchart: Magnetic Disk 62">
+            <a:extLst>
+              <a:ext uri="{FF2B5EF4-FFF2-40B4-BE49-F238E27FC236}">
+                <a16:creationId xmlns:a16="http://schemas.microsoft.com/office/drawing/2014/main" id="{08AB072B-D189-469B-9B6D-EA979ABBF561}"/>
+              </a:ext>
+            </a:extLst>
+          </p:cNvPr>
+          <p:cNvSpPr/>
+          <p:nvPr/>
+        </p:nvSpPr>
+        <p:spPr>
+          <a:xfrm>
+            <a:off x="7793660" y="6647561"/>
+            <a:ext cx="1136570" cy="396765"/>
+          </a:xfrm>
+          <a:prstGeom prst="flowChartMagneticDisk">
+            <a:avLst/>
+          </a:prstGeom>
+        </p:spPr>
+        <p:style>
+          <a:lnRef idx="1">
+            <a:schemeClr val="accent1"/>
+          </a:lnRef>
+          <a:fillRef idx="3">
+            <a:schemeClr val="accent1"/>
+          </a:fillRef>
+          <a:effectRef idx="2">
+            <a:schemeClr val="accent1"/>
+          </a:effectRef>
+          <a:fontRef idx="minor">
+            <a:schemeClr val="lt1"/>
+          </a:fontRef>
+        </p:style>
+        <p:txBody>
+          <a:bodyPr rtlCol="0" anchor="ctr"/>
+          <a:lstStyle/>
+          <a:p>
+            <a:pPr algn="ctr"/>
+            <a:r>
+              <a:rPr lang="en-US" sz="1100" dirty="0"/>
+              <a:t>.csv-file</a:t>
+            </a:r>
+            <a:endParaRPr lang="LID4096" sz="1100" dirty="0"/>
+          </a:p>
+        </p:txBody>
+      </p:sp>
+      <p:cxnSp>
+        <p:nvCxnSpPr>
+          <p:cNvPr id="64" name="Straight Arrow Connector 63">
+            <a:extLst>
+              <a:ext uri="{FF2B5EF4-FFF2-40B4-BE49-F238E27FC236}">
+                <a16:creationId xmlns:a16="http://schemas.microsoft.com/office/drawing/2014/main" id="{880AB06B-7CB2-4FC0-A0A5-F1F8CF6152CA}"/>
+              </a:ext>
+            </a:extLst>
+          </p:cNvPr>
+          <p:cNvCxnSpPr>
+            <a:cxnSpLocks/>
+            <a:stCxn id="57" idx="3"/>
+            <a:endCxn id="60" idx="1"/>
+          </p:cNvCxnSpPr>
+          <p:nvPr/>
+        </p:nvCxnSpPr>
+        <p:spPr>
+          <a:xfrm flipV="1">
+            <a:off x="6040877" y="6041405"/>
+            <a:ext cx="381478" cy="5975"/>
+          </a:xfrm>
+          <a:prstGeom prst="straightConnector1">
+            <a:avLst/>
+          </a:prstGeom>
+          <a:ln>
+            <a:solidFill>
+              <a:srgbClr val="000000"/>
+            </a:solidFill>
+            <a:tailEnd type="triangle"/>
+          </a:ln>
+        </p:spPr>
+        <p:style>
+          <a:lnRef idx="2">
+            <a:schemeClr val="accent1"/>
+          </a:lnRef>
+          <a:fillRef idx="0">
+            <a:schemeClr val="accent1"/>
+          </a:fillRef>
+          <a:effectRef idx="1">
+            <a:schemeClr val="accent1"/>
+          </a:effectRef>
+          <a:fontRef idx="minor">
+            <a:schemeClr val="tx1"/>
+          </a:fontRef>
+        </p:style>
+      </p:cxnSp>
+      <p:cxnSp>
+        <p:nvCxnSpPr>
+          <p:cNvPr id="65" name="Straight Arrow Connector 64">
+            <a:extLst>
+              <a:ext uri="{FF2B5EF4-FFF2-40B4-BE49-F238E27FC236}">
+                <a16:creationId xmlns:a16="http://schemas.microsoft.com/office/drawing/2014/main" id="{0054AA4B-61DF-46C9-B659-C78E3A166C56}"/>
+              </a:ext>
+            </a:extLst>
+          </p:cNvPr>
+          <p:cNvCxnSpPr>
+            <a:cxnSpLocks/>
+            <a:stCxn id="60" idx="3"/>
+            <a:endCxn id="62" idx="1"/>
+          </p:cNvCxnSpPr>
+          <p:nvPr/>
+        </p:nvCxnSpPr>
+        <p:spPr>
+          <a:xfrm>
+            <a:off x="7489459" y="6041405"/>
+            <a:ext cx="304201" cy="0"/>
+          </a:xfrm>
+          <a:prstGeom prst="straightConnector1">
+            <a:avLst/>
+          </a:prstGeom>
+          <a:ln>
+            <a:solidFill>
+              <a:srgbClr val="000000"/>
+            </a:solidFill>
+            <a:tailEnd type="triangle"/>
+          </a:ln>
+        </p:spPr>
+        <p:style>
+          <a:lnRef idx="2">
+            <a:schemeClr val="accent1"/>
+          </a:lnRef>
+          <a:fillRef idx="0">
+            <a:schemeClr val="accent1"/>
+          </a:fillRef>
+          <a:effectRef idx="1">
+            <a:schemeClr val="accent1"/>
+          </a:effectRef>
+          <a:fontRef idx="minor">
+            <a:schemeClr val="tx1"/>
+          </a:fontRef>
+        </p:style>
+      </p:cxnSp>
+      <p:cxnSp>
+        <p:nvCxnSpPr>
+          <p:cNvPr id="66" name="Straight Arrow Connector 65">
+            <a:extLst>
+              <a:ext uri="{FF2B5EF4-FFF2-40B4-BE49-F238E27FC236}">
+                <a16:creationId xmlns:a16="http://schemas.microsoft.com/office/drawing/2014/main" id="{F1D82506-A997-4C82-883C-0E45558FC3D2}"/>
+              </a:ext>
+            </a:extLst>
+          </p:cNvPr>
+          <p:cNvCxnSpPr>
+            <a:cxnSpLocks/>
+            <a:stCxn id="62" idx="2"/>
+            <a:endCxn id="63" idx="1"/>
+          </p:cNvCxnSpPr>
+          <p:nvPr/>
+        </p:nvCxnSpPr>
+        <p:spPr>
+          <a:xfrm>
+            <a:off x="8361945" y="6385439"/>
+            <a:ext cx="0" cy="262122"/>
+          </a:xfrm>
+          <a:prstGeom prst="straightConnector1">
+            <a:avLst/>
+          </a:prstGeom>
+          <a:ln>
+            <a:solidFill>
+              <a:srgbClr val="000000"/>
+            </a:solidFill>
+            <a:tailEnd type="triangle"/>
+          </a:ln>
+        </p:spPr>
+        <p:style>
+          <a:lnRef idx="2">
+            <a:schemeClr val="accent1"/>
+          </a:lnRef>
+          <a:fillRef idx="0">
+            <a:schemeClr val="accent1"/>
+          </a:fillRef>
+          <a:effectRef idx="1">
+            <a:schemeClr val="accent1"/>
+          </a:effectRef>
+          <a:fontRef idx="minor">
+            <a:schemeClr val="tx1"/>
+          </a:fontRef>
+        </p:style>
+      </p:cxnSp>
+      <p:sp>
+        <p:nvSpPr>
+          <p:cNvPr id="68" name="Flowchart: Magnetic Disk 67">
+            <a:extLst>
+              <a:ext uri="{FF2B5EF4-FFF2-40B4-BE49-F238E27FC236}">
+                <a16:creationId xmlns:a16="http://schemas.microsoft.com/office/drawing/2014/main" id="{83495F5E-1B46-48A3-AD9F-072D4C6A4FF8}"/>
+              </a:ext>
+            </a:extLst>
+          </p:cNvPr>
+          <p:cNvSpPr/>
+          <p:nvPr/>
+        </p:nvSpPr>
+        <p:spPr>
+          <a:xfrm>
+            <a:off x="5071510" y="6626456"/>
+            <a:ext cx="969366" cy="396765"/>
+          </a:xfrm>
+          <a:prstGeom prst="flowChartMagneticDisk">
+            <a:avLst/>
+          </a:prstGeom>
+        </p:spPr>
+        <p:style>
+          <a:lnRef idx="1">
+            <a:schemeClr val="accent1"/>
+          </a:lnRef>
+          <a:fillRef idx="3">
+            <a:schemeClr val="accent1"/>
+          </a:fillRef>
+          <a:effectRef idx="2">
+            <a:schemeClr val="accent1"/>
+          </a:effectRef>
+          <a:fontRef idx="minor">
+            <a:schemeClr val="lt1"/>
+          </a:fontRef>
+        </p:style>
+        <p:txBody>
+          <a:bodyPr rtlCol="0" anchor="ctr"/>
+          <a:lstStyle/>
+          <a:p>
+            <a:pPr algn="ctr"/>
+            <a:r>
+              <a:rPr lang="en-US" sz="1100" dirty="0"/>
+              <a:t>.</a:t>
+            </a:r>
+            <a:r>
+              <a:rPr lang="en-US" sz="1100" dirty="0" err="1"/>
+              <a:t>tflite</a:t>
+            </a:r>
+            <a:r>
+              <a:rPr lang="en-US" sz="1100" dirty="0"/>
+              <a:t>-file</a:t>
+            </a:r>
+            <a:endParaRPr lang="LID4096" sz="1100" dirty="0"/>
+          </a:p>
+        </p:txBody>
+      </p:sp>
+      <p:cxnSp>
+        <p:nvCxnSpPr>
+          <p:cNvPr id="69" name="Straight Arrow Connector 68">
+            <a:extLst>
+              <a:ext uri="{FF2B5EF4-FFF2-40B4-BE49-F238E27FC236}">
+                <a16:creationId xmlns:a16="http://schemas.microsoft.com/office/drawing/2014/main" id="{6162EB50-A446-4503-89FE-B521C306971C}"/>
+              </a:ext>
+            </a:extLst>
+          </p:cNvPr>
+          <p:cNvCxnSpPr>
+            <a:cxnSpLocks/>
+            <a:stCxn id="68" idx="1"/>
+            <a:endCxn id="57" idx="2"/>
+          </p:cNvCxnSpPr>
+          <p:nvPr/>
+        </p:nvCxnSpPr>
+        <p:spPr>
+          <a:xfrm flipV="1">
+            <a:off x="5556193" y="6391414"/>
+            <a:ext cx="0" cy="235042"/>
+          </a:xfrm>
+          <a:prstGeom prst="straightConnector1">
+            <a:avLst/>
+          </a:prstGeom>
+          <a:ln>
+            <a:solidFill>
+              <a:srgbClr val="000000"/>
+            </a:solidFill>
+            <a:tailEnd type="triangle"/>
+          </a:ln>
+        </p:spPr>
+        <p:style>
+          <a:lnRef idx="2">
+            <a:schemeClr val="accent1"/>
+          </a:lnRef>
+          <a:fillRef idx="0">
+            <a:schemeClr val="accent1"/>
+          </a:fillRef>
+          <a:effectRef idx="1">
+            <a:schemeClr val="accent1"/>
+          </a:effectRef>
+          <a:fontRef idx="minor">
+            <a:schemeClr val="tx1"/>
+          </a:fontRef>
+        </p:style>
+      </p:cxnSp>
+      <p:sp>
+        <p:nvSpPr>
+          <p:cNvPr id="70" name="Flowchart: Preparation 69">
+            <a:extLst>
+              <a:ext uri="{FF2B5EF4-FFF2-40B4-BE49-F238E27FC236}">
+                <a16:creationId xmlns:a16="http://schemas.microsoft.com/office/drawing/2014/main" id="{0E6AF675-4144-426B-9F73-C712728AC16C}"/>
+              </a:ext>
+            </a:extLst>
+          </p:cNvPr>
+          <p:cNvSpPr/>
+          <p:nvPr/>
+        </p:nvSpPr>
+        <p:spPr>
+          <a:xfrm>
+            <a:off x="6422355" y="7572607"/>
+            <a:ext cx="1067103" cy="688068"/>
+          </a:xfrm>
+          <a:prstGeom prst="flowChartPreparation">
+            <a:avLst/>
+          </a:prstGeom>
+        </p:spPr>
+        <p:style>
+          <a:lnRef idx="1">
+            <a:schemeClr val="accent1"/>
+          </a:lnRef>
+          <a:fillRef idx="3">
+            <a:schemeClr val="accent1"/>
+          </a:fillRef>
+          <a:effectRef idx="2">
+            <a:schemeClr val="accent1"/>
+          </a:effectRef>
+          <a:fontRef idx="minor">
+            <a:schemeClr val="lt1"/>
+          </a:fontRef>
+        </p:style>
+        <p:txBody>
+          <a:bodyPr rtlCol="0" anchor="ctr"/>
+          <a:lstStyle/>
+          <a:p>
+            <a:pPr algn="ctr"/>
+            <a:r>
+              <a:rPr lang="en-US" sz="1100" dirty="0"/>
+              <a:t>Setup</a:t>
+            </a:r>
+          </a:p>
+          <a:p>
+            <a:pPr algn="ctr"/>
+            <a:r>
+              <a:rPr lang="en-US" sz="1100" dirty="0"/>
+              <a:t>results</a:t>
+            </a:r>
+            <a:endParaRPr lang="LID4096" sz="1100" dirty="0"/>
+          </a:p>
+        </p:txBody>
+      </p:sp>
+      <p:sp>
+        <p:nvSpPr>
+          <p:cNvPr id="71" name="Flowchart: Magnetic Disk 70">
+            <a:extLst>
+              <a:ext uri="{FF2B5EF4-FFF2-40B4-BE49-F238E27FC236}">
+                <a16:creationId xmlns:a16="http://schemas.microsoft.com/office/drawing/2014/main" id="{0994A2B2-0285-464F-87DA-F92D0D83651A}"/>
+              </a:ext>
+            </a:extLst>
+          </p:cNvPr>
+          <p:cNvSpPr/>
+          <p:nvPr/>
+        </p:nvSpPr>
+        <p:spPr>
+          <a:xfrm>
+            <a:off x="5001341" y="7496599"/>
+            <a:ext cx="1039536" cy="396765"/>
+          </a:xfrm>
+          <a:prstGeom prst="flowChartMagneticDisk">
+            <a:avLst/>
+          </a:prstGeom>
+        </p:spPr>
+        <p:style>
+          <a:lnRef idx="1">
+            <a:schemeClr val="accent1"/>
+          </a:lnRef>
+          <a:fillRef idx="3">
+            <a:schemeClr val="accent1"/>
+          </a:fillRef>
+          <a:effectRef idx="2">
+            <a:schemeClr val="accent1"/>
+          </a:effectRef>
+          <a:fontRef idx="minor">
+            <a:schemeClr val="lt1"/>
+          </a:fontRef>
+        </p:style>
+        <p:txBody>
+          <a:bodyPr rtlCol="0" anchor="ctr"/>
+          <a:lstStyle/>
+          <a:p>
+            <a:pPr algn="ctr"/>
+            <a:r>
+              <a:rPr lang="en-US" sz="1100" dirty="0"/>
+              <a:t>.csv-file</a:t>
+            </a:r>
+            <a:endParaRPr lang="LID4096" sz="1100" dirty="0"/>
+          </a:p>
+        </p:txBody>
+      </p:sp>
+      <p:cxnSp>
+        <p:nvCxnSpPr>
+          <p:cNvPr id="72" name="Straight Arrow Connector 71">
+            <a:extLst>
+              <a:ext uri="{FF2B5EF4-FFF2-40B4-BE49-F238E27FC236}">
+                <a16:creationId xmlns:a16="http://schemas.microsoft.com/office/drawing/2014/main" id="{85F6AD81-C2C1-42B2-B271-5E3AF739D7FC}"/>
+              </a:ext>
+            </a:extLst>
+          </p:cNvPr>
+          <p:cNvCxnSpPr>
+            <a:cxnSpLocks/>
+            <a:stCxn id="71" idx="4"/>
+            <a:endCxn id="70" idx="1"/>
+          </p:cNvCxnSpPr>
+          <p:nvPr/>
+        </p:nvCxnSpPr>
+        <p:spPr>
+          <a:xfrm>
+            <a:off x="6040877" y="7694982"/>
+            <a:ext cx="381478" cy="221659"/>
+          </a:xfrm>
+          <a:prstGeom prst="straightConnector1">
+            <a:avLst/>
+          </a:prstGeom>
+          <a:ln>
+            <a:solidFill>
+              <a:srgbClr val="000000"/>
+            </a:solidFill>
+            <a:tailEnd type="triangle"/>
+          </a:ln>
+        </p:spPr>
+        <p:style>
+          <a:lnRef idx="2">
+            <a:schemeClr val="accent1"/>
+          </a:lnRef>
+          <a:fillRef idx="0">
+            <a:schemeClr val="accent1"/>
+          </a:fillRef>
+          <a:effectRef idx="1">
+            <a:schemeClr val="accent1"/>
+          </a:effectRef>
+          <a:fontRef idx="minor">
+            <a:schemeClr val="tx1"/>
+          </a:fontRef>
+        </p:style>
+      </p:cxnSp>
+      <p:cxnSp>
+        <p:nvCxnSpPr>
+          <p:cNvPr id="77" name="Straight Arrow Connector 76">
+            <a:extLst>
+              <a:ext uri="{FF2B5EF4-FFF2-40B4-BE49-F238E27FC236}">
+                <a16:creationId xmlns:a16="http://schemas.microsoft.com/office/drawing/2014/main" id="{B3C72E28-E762-477E-BF75-1366A5F081BF}"/>
+              </a:ext>
+            </a:extLst>
+          </p:cNvPr>
+          <p:cNvCxnSpPr>
+            <a:cxnSpLocks/>
+            <a:stCxn id="80" idx="5"/>
+            <a:endCxn id="70" idx="1"/>
+          </p:cNvCxnSpPr>
+          <p:nvPr/>
+        </p:nvCxnSpPr>
+        <p:spPr>
+          <a:xfrm flipV="1">
+            <a:off x="5936922" y="7916641"/>
+            <a:ext cx="485433" cy="359410"/>
+          </a:xfrm>
+          <a:prstGeom prst="straightConnector1">
+            <a:avLst/>
+          </a:prstGeom>
+          <a:ln>
+            <a:solidFill>
+              <a:srgbClr val="000000"/>
+            </a:solidFill>
+            <a:tailEnd type="triangle"/>
+          </a:ln>
+        </p:spPr>
+        <p:style>
+          <a:lnRef idx="2">
+            <a:schemeClr val="accent1"/>
+          </a:lnRef>
+          <a:fillRef idx="0">
+            <a:schemeClr val="accent1"/>
+          </a:fillRef>
+          <a:effectRef idx="1">
+            <a:schemeClr val="accent1"/>
+          </a:effectRef>
+          <a:fontRef idx="minor">
+            <a:schemeClr val="tx1"/>
+          </a:fontRef>
+        </p:style>
+      </p:cxnSp>
+      <p:sp>
+        <p:nvSpPr>
+          <p:cNvPr id="80" name="Flowchart: Data 79">
+            <a:extLst>
+              <a:ext uri="{FF2B5EF4-FFF2-40B4-BE49-F238E27FC236}">
+                <a16:creationId xmlns:a16="http://schemas.microsoft.com/office/drawing/2014/main" id="{8BA0BFEF-179F-4DE5-8A5A-84DE1D60B211}"/>
+              </a:ext>
+            </a:extLst>
+          </p:cNvPr>
+          <p:cNvSpPr/>
+          <p:nvPr/>
+        </p:nvSpPr>
+        <p:spPr>
+          <a:xfrm>
+            <a:off x="5001340" y="8086043"/>
+            <a:ext cx="1039535" cy="380016"/>
+          </a:xfrm>
+          <a:prstGeom prst="flowChartInputOutput">
+            <a:avLst/>
+          </a:prstGeom>
+        </p:spPr>
+        <p:style>
+          <a:lnRef idx="1">
+            <a:schemeClr val="accent1"/>
+          </a:lnRef>
+          <a:fillRef idx="3">
+            <a:schemeClr val="accent1"/>
+          </a:fillRef>
+          <a:effectRef idx="2">
+            <a:schemeClr val="accent1"/>
+          </a:effectRef>
+          <a:fontRef idx="minor">
+            <a:schemeClr val="lt1"/>
+          </a:fontRef>
+        </p:style>
+        <p:txBody>
+          <a:bodyPr rtlCol="0" anchor="ctr"/>
+          <a:lstStyle/>
+          <a:p>
+            <a:pPr algn="ctr"/>
+            <a:r>
+              <a:rPr lang="en-US" sz="1100" dirty="0" err="1"/>
+              <a:t>Devicedata</a:t>
+            </a:r>
+            <a:endParaRPr lang="LID4096" sz="1100" dirty="0"/>
+          </a:p>
+        </p:txBody>
+      </p:sp>
+      <p:sp>
+        <p:nvSpPr>
+          <p:cNvPr id="84" name="Flowchart: Process 83">
+            <a:extLst>
+              <a:ext uri="{FF2B5EF4-FFF2-40B4-BE49-F238E27FC236}">
+                <a16:creationId xmlns:a16="http://schemas.microsoft.com/office/drawing/2014/main" id="{384E9714-B0FE-429F-ABA1-1F8705C1F69B}"/>
+              </a:ext>
+            </a:extLst>
+          </p:cNvPr>
+          <p:cNvSpPr/>
+          <p:nvPr/>
+        </p:nvSpPr>
+        <p:spPr>
+          <a:xfrm>
+            <a:off x="7793660" y="7572606"/>
+            <a:ext cx="1136570" cy="688069"/>
+          </a:xfrm>
+          <a:prstGeom prst="flowChartProcess">
+            <a:avLst/>
+          </a:prstGeom>
+        </p:spPr>
+        <p:style>
+          <a:lnRef idx="1">
+            <a:schemeClr val="accent1"/>
+          </a:lnRef>
+          <a:fillRef idx="3">
+            <a:schemeClr val="accent1"/>
+          </a:fillRef>
+          <a:effectRef idx="2">
+            <a:schemeClr val="accent1"/>
+          </a:effectRef>
+          <a:fontRef idx="minor">
+            <a:schemeClr val="lt1"/>
+          </a:fontRef>
+        </p:style>
+        <p:txBody>
+          <a:bodyPr rtlCol="0" anchor="ctr"/>
+          <a:lstStyle/>
+          <a:p>
+            <a:pPr algn="ctr"/>
+            <a:r>
+              <a:rPr lang="en-US" sz="1100" dirty="0"/>
+              <a:t>Plot results</a:t>
+            </a:r>
+            <a:endParaRPr lang="LID4096" sz="1100" dirty="0"/>
+          </a:p>
+        </p:txBody>
+      </p:sp>
+      <p:cxnSp>
+        <p:nvCxnSpPr>
+          <p:cNvPr id="85" name="Straight Arrow Connector 84">
+            <a:extLst>
+              <a:ext uri="{FF2B5EF4-FFF2-40B4-BE49-F238E27FC236}">
+                <a16:creationId xmlns:a16="http://schemas.microsoft.com/office/drawing/2014/main" id="{5E893CE2-45AF-401A-A344-97CD1B640C9D}"/>
+              </a:ext>
+            </a:extLst>
+          </p:cNvPr>
+          <p:cNvCxnSpPr>
+            <a:cxnSpLocks/>
+            <a:stCxn id="70" idx="3"/>
+            <a:endCxn id="84" idx="1"/>
+          </p:cNvCxnSpPr>
+          <p:nvPr/>
+        </p:nvCxnSpPr>
+        <p:spPr>
+          <a:xfrm>
+            <a:off x="7489458" y="7916641"/>
+            <a:ext cx="304202" cy="0"/>
+          </a:xfrm>
+          <a:prstGeom prst="straightConnector1">
+            <a:avLst/>
+          </a:prstGeom>
+          <a:ln>
+            <a:solidFill>
+              <a:srgbClr val="000000"/>
+            </a:solidFill>
+            <a:tailEnd type="triangle"/>
+          </a:ln>
+        </p:spPr>
+        <p:style>
+          <a:lnRef idx="2">
+            <a:schemeClr val="accent1"/>
+          </a:lnRef>
+          <a:fillRef idx="0">
+            <a:schemeClr val="accent1"/>
+          </a:fillRef>
+          <a:effectRef idx="1">
+            <a:schemeClr val="accent1"/>
+          </a:effectRef>
+          <a:fontRef idx="minor">
+            <a:schemeClr val="tx1"/>
+          </a:fontRef>
+        </p:style>
+      </p:cxnSp>
     </p:spTree>
   </p:cSld>
   <p:clrMapOvr>

--- a/Thesis-LateX/Poster-ArnoPlaetinck.pptx
+++ b/Thesis-LateX/Poster-ArnoPlaetinck.pptx
@@ -238,7 +238,7 @@
           <a:p>
             <a:fld id="{33ADCEFC-B4B7-4D16-B9F3-DE74BFB94BAE}" type="datetimeFigureOut">
               <a:rPr lang="en-GB" smtClean="0"/>
-              <a:t>18/04/2020</a:t>
+              <a:t>23/04/2020</a:t>
             </a:fld>
             <a:endParaRPr lang="en-GB"/>
           </a:p>
@@ -1413,7 +1413,7 @@
         </p:nvSpPr>
         <p:spPr>
           <a:xfrm>
-            <a:off x="0" y="1588943"/>
+            <a:off x="8675" y="1809130"/>
             <a:ext cx="9601200" cy="10987547"/>
           </a:xfrm>
           <a:prstGeom prst="rect">
@@ -1563,14 +1563,14 @@
         </p:spPr>
         <p:txBody>
           <a:bodyPr anchor="t">
-            <a:normAutofit fontScale="90000"/>
+            <a:noAutofit/>
           </a:bodyPr>
           <a:lstStyle/>
           <a:p>
             <a:pPr algn="ctr"/>
             <a:r>
-              <a:rPr lang="en-GB" dirty="0"/>
-              <a:t>Accelerated edge computing for Neural Networks</a:t>
+              <a:rPr lang="en-GB" sz="3600" dirty="0"/>
+              <a:t>Comparative Study of Single Board Computers for AI Edge Computing Purposes</a:t>
             </a:r>
           </a:p>
         </p:txBody>
@@ -1589,7 +1589,7 @@
         </p:nvSpPr>
         <p:spPr>
           <a:xfrm>
-            <a:off x="708055" y="3846888"/>
+            <a:off x="708055" y="3496678"/>
             <a:ext cx="4023547" cy="2190457"/>
           </a:xfrm>
           <a:prstGeom prst="rect">
@@ -1644,7 +1644,7 @@
         </p:nvSpPr>
         <p:spPr>
           <a:xfrm>
-            <a:off x="708055" y="3445792"/>
+            <a:off x="708055" y="3095582"/>
             <a:ext cx="4023549" cy="401097"/>
           </a:xfrm>
           <a:prstGeom prst="rect">
@@ -1707,7 +1707,7 @@
         </p:nvSpPr>
         <p:spPr>
           <a:xfrm>
-            <a:off x="731237" y="6476980"/>
+            <a:off x="731237" y="6126770"/>
             <a:ext cx="4023550" cy="2457708"/>
           </a:xfrm>
           <a:prstGeom prst="rect">
@@ -1762,7 +1762,7 @@
         </p:nvSpPr>
         <p:spPr>
           <a:xfrm>
-            <a:off x="731237" y="6021973"/>
+            <a:off x="731237" y="5671763"/>
             <a:ext cx="4023550" cy="411364"/>
           </a:xfrm>
           <a:prstGeom prst="rect">
@@ -1797,7 +1797,7 @@
                   <a:srgbClr val="1D8DB0"/>
                 </a:solidFill>
               </a:rPr>
-              <a:t>Data extraction</a:t>
+              <a:t>Data acquisition</a:t>
             </a:r>
           </a:p>
         </p:txBody>
@@ -1816,8 +1816,8 @@
         </p:nvSpPr>
         <p:spPr>
           <a:xfrm>
-            <a:off x="4981584" y="10728306"/>
-            <a:ext cx="4023541" cy="1168386"/>
+            <a:off x="5012251" y="10652075"/>
+            <a:ext cx="4023541" cy="1168387"/>
           </a:xfrm>
           <a:prstGeom prst="rect">
             <a:avLst/>
@@ -1852,7 +1852,7 @@
                   <a:srgbClr val="000000"/>
                 </a:solidFill>
               </a:rPr>
-              <a:t>The results show that non-edge devices remain superior compared to edge-devices. Among edge-devices, the Jetson Nano is the SBC with the lowest latency and price and thus an excellent choice for low-latency applications.</a:t>
+              <a:t>The results show that among edge-devices, the Jetson Nano is the Single Board Computer with the lowest latency. When comparing power consumption for the given latency, the Coral Dev is the most power efficient.</a:t>
             </a:r>
           </a:p>
         </p:txBody>
@@ -1871,7 +1871,7 @@
         </p:nvSpPr>
         <p:spPr>
           <a:xfrm>
-            <a:off x="4981584" y="10280409"/>
+            <a:off x="5012251" y="10190727"/>
             <a:ext cx="4023540" cy="398359"/>
           </a:xfrm>
           <a:prstGeom prst="rect">
@@ -1933,8 +1933,8 @@
         </p:nvSpPr>
         <p:spPr>
           <a:xfrm>
-            <a:off x="-1" y="12045573"/>
-            <a:ext cx="3553097" cy="756027"/>
+            <a:off x="-1" y="11978641"/>
+            <a:ext cx="3553097" cy="822960"/>
           </a:xfrm>
           <a:prstGeom prst="rect">
             <a:avLst/>
@@ -2023,8 +2023,8 @@
         </p:nvSpPr>
         <p:spPr>
           <a:xfrm>
-            <a:off x="6135930" y="12045572"/>
-            <a:ext cx="3465270" cy="756028"/>
+            <a:off x="6135930" y="11978641"/>
+            <a:ext cx="3465270" cy="822959"/>
           </a:xfrm>
           <a:prstGeom prst="rect">
             <a:avLst/>
@@ -2091,7 +2091,7 @@
         </p:nvSpPr>
         <p:spPr>
           <a:xfrm>
-            <a:off x="4981574" y="9037583"/>
+            <a:off x="4981574" y="8875794"/>
             <a:ext cx="4023550" cy="1168386"/>
           </a:xfrm>
           <a:prstGeom prst="rect">
@@ -2146,7 +2146,7 @@
         </p:nvSpPr>
         <p:spPr>
           <a:xfrm>
-            <a:off x="4981574" y="8563639"/>
+            <a:off x="5012251" y="8431853"/>
             <a:ext cx="4023550" cy="401098"/>
           </a:xfrm>
           <a:prstGeom prst="rect">
@@ -2200,8 +2200,8 @@
         </p:nvSpPr>
         <p:spPr>
           <a:xfrm>
-            <a:off x="3553095" y="12045572"/>
-            <a:ext cx="2582833" cy="756028"/>
+            <a:off x="3553095" y="11978640"/>
+            <a:ext cx="2582833" cy="822960"/>
           </a:xfrm>
           <a:prstGeom prst="rect">
             <a:avLst/>
@@ -2291,13 +2291,13 @@
         </p:nvPicPr>
         <p:blipFill rotWithShape="1">
           <a:blip r:embed="rId3"/>
-          <a:srcRect l="15655" t="3817" r="18962" b="13041"/>
+          <a:srcRect l="15469" t="4866" r="19027" b="12941"/>
           <a:stretch/>
         </p:blipFill>
         <p:spPr>
           <a:xfrm>
-            <a:off x="538138" y="9159758"/>
-            <a:ext cx="4280299" cy="2786738"/>
+            <a:off x="245171" y="8832951"/>
+            <a:ext cx="4638348" cy="2979754"/>
           </a:xfrm>
           <a:prstGeom prst="rect">
             <a:avLst/>
@@ -2318,22 +2318,32 @@
         </p:nvSpPr>
         <p:spPr>
           <a:xfrm>
-            <a:off x="4981584" y="3729557"/>
+            <a:off x="4981584" y="3379347"/>
             <a:ext cx="4211054" cy="1575295"/>
           </a:xfrm>
           <a:prstGeom prst="rect">
             <a:avLst/>
           </a:prstGeom>
+          <a:solidFill>
+            <a:schemeClr val="accent6">
+              <a:alpha val="50000"/>
+            </a:schemeClr>
+          </a:solidFill>
+          <a:ln>
+            <a:solidFill>
+              <a:schemeClr val="accent2"/>
+            </a:solidFill>
+          </a:ln>
         </p:spPr>
         <p:style>
-          <a:lnRef idx="1">
-            <a:schemeClr val="accent6"/>
+          <a:lnRef idx="0">
+            <a:scrgbClr r="0" g="0" b="0"/>
           </a:lnRef>
-          <a:fillRef idx="3">
-            <a:schemeClr val="accent6"/>
+          <a:fillRef idx="0">
+            <a:scrgbClr r="0" g="0" b="0"/>
           </a:fillRef>
-          <a:effectRef idx="2">
-            <a:schemeClr val="accent6"/>
+          <a:effectRef idx="0">
+            <a:scrgbClr r="0" g="0" b="0"/>
           </a:effectRef>
           <a:fontRef idx="minor">
             <a:schemeClr val="lt1"/>
@@ -2362,22 +2372,32 @@
         </p:nvSpPr>
         <p:spPr>
           <a:xfrm>
-            <a:off x="4981584" y="5588618"/>
+            <a:off x="4981584" y="5238408"/>
             <a:ext cx="4211054" cy="1504148"/>
           </a:xfrm>
           <a:prstGeom prst="rect">
             <a:avLst/>
           </a:prstGeom>
+          <a:solidFill>
+            <a:schemeClr val="accent6">
+              <a:alpha val="50000"/>
+            </a:schemeClr>
+          </a:solidFill>
+          <a:ln>
+            <a:solidFill>
+              <a:schemeClr val="tx1"/>
+            </a:solidFill>
+          </a:ln>
         </p:spPr>
         <p:style>
-          <a:lnRef idx="1">
-            <a:schemeClr val="accent6"/>
+          <a:lnRef idx="0">
+            <a:scrgbClr r="0" g="0" b="0"/>
           </a:lnRef>
-          <a:fillRef idx="3">
-            <a:schemeClr val="accent6"/>
+          <a:fillRef idx="0">
+            <a:scrgbClr r="0" g="0" b="0"/>
           </a:fillRef>
-          <a:effectRef idx="2">
-            <a:schemeClr val="accent6"/>
+          <a:effectRef idx="0">
+            <a:scrgbClr r="0" g="0" b="0"/>
           </a:effectRef>
           <a:fontRef idx="minor">
             <a:schemeClr val="lt1"/>
@@ -2406,22 +2426,32 @@
         </p:nvSpPr>
         <p:spPr>
           <a:xfrm>
-            <a:off x="4981584" y="7371027"/>
+            <a:off x="4981584" y="7020817"/>
             <a:ext cx="4211054" cy="1150675"/>
           </a:xfrm>
           <a:prstGeom prst="rect">
             <a:avLst/>
           </a:prstGeom>
+          <a:solidFill>
+            <a:schemeClr val="accent6">
+              <a:alpha val="50000"/>
+            </a:schemeClr>
+          </a:solidFill>
+          <a:ln>
+            <a:solidFill>
+              <a:schemeClr val="tx1"/>
+            </a:solidFill>
+          </a:ln>
         </p:spPr>
         <p:style>
-          <a:lnRef idx="1">
-            <a:schemeClr val="accent6"/>
+          <a:lnRef idx="0">
+            <a:scrgbClr r="0" g="0" b="0"/>
           </a:lnRef>
-          <a:fillRef idx="3">
-            <a:schemeClr val="accent6"/>
+          <a:fillRef idx="0">
+            <a:scrgbClr r="0" g="0" b="0"/>
           </a:fillRef>
-          <a:effectRef idx="2">
-            <a:schemeClr val="accent6"/>
+          <a:effectRef idx="0">
+            <a:scrgbClr r="0" g="0" b="0"/>
           </a:effectRef>
           <a:fontRef idx="minor">
             <a:schemeClr val="lt1"/>
@@ -2450,7 +2480,7 @@
         </p:nvSpPr>
         <p:spPr>
           <a:xfrm>
-            <a:off x="4919109" y="3496679"/>
+            <a:off x="4919109" y="3146469"/>
             <a:ext cx="1737549" cy="261610"/>
           </a:xfrm>
           <a:prstGeom prst="rect">
@@ -2485,7 +2515,7 @@
         </p:nvSpPr>
         <p:spPr>
           <a:xfrm>
-            <a:off x="4919109" y="5342660"/>
+            <a:off x="4919109" y="4992450"/>
             <a:ext cx="1737549" cy="261610"/>
           </a:xfrm>
           <a:prstGeom prst="rect">
@@ -2520,7 +2550,7 @@
         </p:nvSpPr>
         <p:spPr>
           <a:xfrm>
-            <a:off x="4919109" y="7109417"/>
+            <a:off x="4919109" y="6759207"/>
             <a:ext cx="1737549" cy="261610"/>
           </a:xfrm>
           <a:prstGeom prst="rect">
@@ -2555,7 +2585,7 @@
         </p:nvSpPr>
         <p:spPr>
           <a:xfrm>
-            <a:off x="5071509" y="3868381"/>
+            <a:off x="5071509" y="3518171"/>
             <a:ext cx="969368" cy="688068"/>
           </a:xfrm>
           <a:prstGeom prst="flowChartPreparation">
@@ -2603,7 +2633,7 @@
         </p:nvSpPr>
         <p:spPr>
           <a:xfrm>
-            <a:off x="6422355" y="3862406"/>
+            <a:off x="6422355" y="3512196"/>
             <a:ext cx="1067104" cy="688068"/>
           </a:xfrm>
           <a:prstGeom prst="flowChartProcess">
@@ -2651,7 +2681,7 @@
         </p:nvSpPr>
         <p:spPr>
           <a:xfrm>
-            <a:off x="7793660" y="3862405"/>
+            <a:off x="7793660" y="3512195"/>
             <a:ext cx="1136570" cy="688069"/>
           </a:xfrm>
           <a:prstGeom prst="flowChartProcess">
@@ -2699,7 +2729,7 @@
         </p:nvSpPr>
         <p:spPr>
           <a:xfrm>
-            <a:off x="7793660" y="4812596"/>
+            <a:off x="7793660" y="4462386"/>
             <a:ext cx="1136570" cy="396765"/>
           </a:xfrm>
           <a:prstGeom prst="flowChartMagneticDisk">
@@ -2759,7 +2789,7 @@
         </p:nvCxnSpPr>
         <p:spPr>
           <a:xfrm flipV="1">
-            <a:off x="6040877" y="4206440"/>
+            <a:off x="6040877" y="3856230"/>
             <a:ext cx="381478" cy="5975"/>
           </a:xfrm>
           <a:prstGeom prst="straightConnector1">
@@ -2805,7 +2835,7 @@
         </p:nvCxnSpPr>
         <p:spPr>
           <a:xfrm>
-            <a:off x="7489459" y="4206440"/>
+            <a:off x="7489459" y="3856230"/>
             <a:ext cx="304201" cy="0"/>
           </a:xfrm>
           <a:prstGeom prst="straightConnector1">
@@ -2851,7 +2881,7 @@
         </p:nvCxnSpPr>
         <p:spPr>
           <a:xfrm>
-            <a:off x="8361945" y="4550474"/>
+            <a:off x="8361945" y="4200264"/>
             <a:ext cx="0" cy="262122"/>
           </a:xfrm>
           <a:prstGeom prst="straightConnector1">
@@ -2893,7 +2923,7 @@
         </p:nvSpPr>
         <p:spPr>
           <a:xfrm>
-            <a:off x="5071509" y="5703346"/>
+            <a:off x="5071509" y="5353136"/>
             <a:ext cx="969368" cy="688068"/>
           </a:xfrm>
           <a:prstGeom prst="flowChartPreparation">
@@ -2941,7 +2971,7 @@
         </p:nvSpPr>
         <p:spPr>
           <a:xfrm>
-            <a:off x="6422355" y="5697371"/>
+            <a:off x="6422355" y="5347161"/>
             <a:ext cx="1067104" cy="688068"/>
           </a:xfrm>
           <a:prstGeom prst="flowChartProcess">
@@ -2989,7 +3019,7 @@
         </p:nvSpPr>
         <p:spPr>
           <a:xfrm>
-            <a:off x="7793660" y="5697370"/>
+            <a:off x="7793660" y="5347160"/>
             <a:ext cx="1136570" cy="688069"/>
           </a:xfrm>
           <a:prstGeom prst="flowChartProcess">
@@ -3037,7 +3067,7 @@
         </p:nvSpPr>
         <p:spPr>
           <a:xfrm>
-            <a:off x="7793660" y="6647561"/>
+            <a:off x="7793660" y="6297351"/>
             <a:ext cx="1136570" cy="396765"/>
           </a:xfrm>
           <a:prstGeom prst="flowChartMagneticDisk">
@@ -3089,7 +3119,7 @@
         </p:nvCxnSpPr>
         <p:spPr>
           <a:xfrm flipV="1">
-            <a:off x="6040877" y="6041405"/>
+            <a:off x="6040877" y="5691195"/>
             <a:ext cx="381478" cy="5975"/>
           </a:xfrm>
           <a:prstGeom prst="straightConnector1">
@@ -3135,7 +3165,7 @@
         </p:nvCxnSpPr>
         <p:spPr>
           <a:xfrm>
-            <a:off x="7489459" y="6041405"/>
+            <a:off x="7489459" y="5691195"/>
             <a:ext cx="304201" cy="0"/>
           </a:xfrm>
           <a:prstGeom prst="straightConnector1">
@@ -3181,7 +3211,7 @@
         </p:nvCxnSpPr>
         <p:spPr>
           <a:xfrm>
-            <a:off x="8361945" y="6385439"/>
+            <a:off x="8361945" y="6035229"/>
             <a:ext cx="0" cy="262122"/>
           </a:xfrm>
           <a:prstGeom prst="straightConnector1">
@@ -3223,7 +3253,7 @@
         </p:nvSpPr>
         <p:spPr>
           <a:xfrm>
-            <a:off x="5071510" y="6626456"/>
+            <a:off x="5071510" y="6276246"/>
             <a:ext cx="969366" cy="396765"/>
           </a:xfrm>
           <a:prstGeom prst="flowChartMagneticDisk">
@@ -3283,7 +3313,7 @@
         </p:nvCxnSpPr>
         <p:spPr>
           <a:xfrm flipV="1">
-            <a:off x="5556193" y="6391414"/>
+            <a:off x="5556193" y="6041204"/>
             <a:ext cx="0" cy="235042"/>
           </a:xfrm>
           <a:prstGeom prst="straightConnector1">
@@ -3325,7 +3355,7 @@
         </p:nvSpPr>
         <p:spPr>
           <a:xfrm>
-            <a:off x="6422355" y="7572607"/>
+            <a:off x="6422355" y="7222397"/>
             <a:ext cx="1067103" cy="688068"/>
           </a:xfrm>
           <a:prstGeom prst="flowChartPreparation">
@@ -3380,8 +3410,8 @@
         </p:nvSpPr>
         <p:spPr>
           <a:xfrm>
-            <a:off x="5001341" y="7496599"/>
-            <a:ext cx="1039536" cy="396765"/>
+            <a:off x="5071509" y="7146389"/>
+            <a:ext cx="969368" cy="396765"/>
           </a:xfrm>
           <a:prstGeom prst="flowChartMagneticDisk">
             <a:avLst/>
@@ -3432,7 +3462,7 @@
         </p:nvCxnSpPr>
         <p:spPr>
           <a:xfrm>
-            <a:off x="6040877" y="7694982"/>
+            <a:off x="6040877" y="7344772"/>
             <a:ext cx="381478" cy="221659"/>
           </a:xfrm>
           <a:prstGeom prst="straightConnector1">
@@ -3478,8 +3508,8 @@
         </p:nvCxnSpPr>
         <p:spPr>
           <a:xfrm flipV="1">
-            <a:off x="5936922" y="7916641"/>
-            <a:ext cx="485433" cy="359410"/>
+            <a:off x="6013488" y="7566431"/>
+            <a:ext cx="408867" cy="359410"/>
           </a:xfrm>
           <a:prstGeom prst="straightConnector1">
             <a:avLst/>
@@ -3520,8 +3550,8 @@
         </p:nvSpPr>
         <p:spPr>
           <a:xfrm>
-            <a:off x="5001340" y="8086043"/>
-            <a:ext cx="1039535" cy="380016"/>
+            <a:off x="5071507" y="7735833"/>
+            <a:ext cx="1046646" cy="380016"/>
           </a:xfrm>
           <a:prstGeom prst="flowChartInputOutput">
             <a:avLst/>
@@ -3568,7 +3598,7 @@
         </p:nvSpPr>
         <p:spPr>
           <a:xfrm>
-            <a:off x="7793660" y="7572606"/>
+            <a:off x="7793660" y="7222396"/>
             <a:ext cx="1136570" cy="688069"/>
           </a:xfrm>
           <a:prstGeom prst="flowChartProcess">
@@ -3620,7 +3650,7 @@
         </p:nvCxnSpPr>
         <p:spPr>
           <a:xfrm>
-            <a:off x="7489458" y="7916641"/>
+            <a:off x="7489458" y="7566431"/>
             <a:ext cx="304202" cy="0"/>
           </a:xfrm>
           <a:prstGeom prst="straightConnector1">
